--- a/Slides/W09 Class Diagram.pptx
+++ b/Slides/W09 Class Diagram.pptx
@@ -45,7 +45,7 @@
     <p:sldId id="362" r:id="rId36"/>
     <p:sldId id="325" r:id="rId37"/>
   </p:sldIdLst>
-  <p:sldSz cx="9144000" cy="6858000" type="screen4x3"/>
+  <p:sldSz cx="12192000" cy="6858000"/>
   <p:notesSz cx="6858000" cy="9144000"/>
   <p:defaultTextStyle>
     <a:defPPr>
@@ -142,6 +142,22 @@
       </a:defRPr>
     </a:lvl9pPr>
   </p:defaultTextStyle>
+  <p:extLst>
+    <p:ext uri="{EFAFB233-063F-42B5-8137-9DF3F51BA10A}">
+      <p15:sldGuideLst xmlns:p15="http://schemas.microsoft.com/office/powerpoint/2012/main">
+        <p15:guide id="1" orient="horz" pos="2160" userDrawn="1">
+          <p15:clr>
+            <a:srgbClr val="A4A3A4"/>
+          </p15:clr>
+        </p15:guide>
+        <p15:guide id="2" pos="3840" userDrawn="1">
+          <p15:clr>
+            <a:srgbClr val="A4A3A4"/>
+          </p15:clr>
+        </p15:guide>
+      </p15:sldGuideLst>
+    </p:ext>
+  </p:extLst>
 </p:presentation>
 </file>
 
@@ -232,7 +248,7 @@
             <a:fld id="{475800E9-AF87-4B17-BC3C-3772D997C7B7}" type="datetimeFigureOut">
               <a:rPr lang="th-TH" smtClean="0"/>
               <a:pPr/>
-              <a:t>27/10/57</a:t>
+              <a:t>31/03/63</a:t>
             </a:fld>
             <a:endParaRPr lang="th-TH" dirty="0"/>
           </a:p>
@@ -250,8 +266,8 @@
         </p:nvSpPr>
         <p:spPr>
           <a:xfrm>
-            <a:off x="1143000" y="685800"/>
-            <a:ext cx="4572000" cy="3429000"/>
+            <a:off x="381000" y="685800"/>
+            <a:ext cx="6096000" cy="3429000"/>
           </a:xfrm>
           <a:prstGeom prst="rect">
             <a:avLst/>
@@ -298,38 +314,37 @@
           <a:p>
             <a:pPr lvl="0"/>
             <a:r>
-              <a:rPr lang="th-TH" dirty="0" smtClean="0"/>
+              <a:rPr lang="th-TH" dirty="0"/>
               <a:t>คลิกเพื่อแก้ไขลักษณะของข้อความต้นแบบ</a:t>
             </a:r>
           </a:p>
           <a:p>
             <a:pPr lvl="1"/>
             <a:r>
-              <a:rPr lang="th-TH" dirty="0" smtClean="0"/>
+              <a:rPr lang="th-TH" dirty="0"/>
               <a:t>ระดับที่สอง</a:t>
             </a:r>
           </a:p>
           <a:p>
             <a:pPr lvl="2"/>
             <a:r>
-              <a:rPr lang="th-TH" dirty="0" smtClean="0"/>
+              <a:rPr lang="th-TH" dirty="0"/>
               <a:t>ระดับที่สาม</a:t>
             </a:r>
           </a:p>
           <a:p>
             <a:pPr lvl="3"/>
             <a:r>
-              <a:rPr lang="th-TH" dirty="0" smtClean="0"/>
+              <a:rPr lang="th-TH" dirty="0"/>
               <a:t>ระดับที่สี่</a:t>
             </a:r>
           </a:p>
           <a:p>
             <a:pPr lvl="4"/>
             <a:r>
-              <a:rPr lang="th-TH" dirty="0" smtClean="0"/>
+              <a:rPr lang="th-TH" dirty="0"/>
               <a:t>ระดับที่ห้า</a:t>
             </a:r>
-            <a:endParaRPr lang="th-TH" dirty="0"/>
           </a:p>
         </p:txBody>
       </p:sp>
@@ -534,7 +549,12 @@
             <p:ph type="sldImg"/>
           </p:nvPr>
         </p:nvSpPr>
-        <p:spPr/>
+        <p:spPr>
+          <a:xfrm>
+            <a:off x="381000" y="685800"/>
+            <a:ext cx="6096000" cy="3429000"/>
+          </a:xfrm>
+        </p:spPr>
       </p:sp>
       <p:sp>
         <p:nvSpPr>
@@ -616,7 +636,12 @@
             <p:ph type="sldImg"/>
           </p:nvPr>
         </p:nvSpPr>
-        <p:spPr/>
+        <p:spPr>
+          <a:xfrm>
+            <a:off x="381000" y="685800"/>
+            <a:ext cx="6096000" cy="3429000"/>
+          </a:xfrm>
+        </p:spPr>
       </p:sp>
       <p:sp>
         <p:nvSpPr>
@@ -698,7 +723,12 @@
             <p:ph type="sldImg"/>
           </p:nvPr>
         </p:nvSpPr>
-        <p:spPr/>
+        <p:spPr>
+          <a:xfrm>
+            <a:off x="381000" y="685800"/>
+            <a:ext cx="6096000" cy="3429000"/>
+          </a:xfrm>
+        </p:spPr>
       </p:sp>
       <p:sp>
         <p:nvSpPr>
@@ -784,7 +814,7 @@
         <p:spPr>
           <a:xfrm>
             <a:off x="0" y="0"/>
-            <a:ext cx="9144000" cy="6858000"/>
+            <a:ext cx="12192000" cy="6858000"/>
           </a:xfrm>
           <a:prstGeom prst="rect">
             <a:avLst/>
@@ -816,7 +846,7 @@
           <a:lstStyle/>
           <a:p>
             <a:pPr algn="ctr" eaLnBrk="1" latinLnBrk="0" hangingPunct="1"/>
-            <a:endParaRPr kumimoji="0" lang="en-US"/>
+            <a:endParaRPr kumimoji="0" lang="en-US" sz="2800"/>
           </a:p>
         </p:txBody>
       </p:sp>
@@ -828,8 +858,8 @@
         </p:nvSpPr>
         <p:spPr>
           <a:xfrm>
-            <a:off x="65313" y="69755"/>
-            <a:ext cx="9013372" cy="6692201"/>
+            <a:off x="87084" y="69756"/>
+            <a:ext cx="12017829" cy="6692201"/>
           </a:xfrm>
           <a:prstGeom prst="roundRect">
             <a:avLst>
@@ -865,7 +895,7 @@
           <a:lstStyle/>
           <a:p>
             <a:pPr algn="ctr" eaLnBrk="1" latinLnBrk="0" hangingPunct="1"/>
-            <a:endParaRPr kumimoji="0" lang="en-US"/>
+            <a:endParaRPr kumimoji="0" lang="en-US" sz="2800"/>
           </a:p>
         </p:txBody>
       </p:sp>
@@ -881,8 +911,8 @@
         </p:nvSpPr>
         <p:spPr>
           <a:xfrm>
-            <a:off x="1295400" y="3200400"/>
-            <a:ext cx="6400800" cy="1600200"/>
+            <a:off x="1727200" y="3200400"/>
+            <a:ext cx="8534400" cy="1600200"/>
           </a:xfrm>
         </p:spPr>
         <p:txBody>
@@ -923,7 +953,7 @@
           </a:lstStyle>
           <a:p>
             <a:r>
-              <a:rPr kumimoji="0" lang="th-TH" smtClean="0"/>
+              <a:rPr kumimoji="0" lang="th-TH"/>
               <a:t>คลิกเพื่อแก้ไขลักษณะชื่อเรื่องรองต้นแบบ</a:t>
             </a:r>
             <a:endParaRPr kumimoji="0" lang="en-US"/>
@@ -948,7 +978,7 @@
             <a:fld id="{DF082D63-1A09-43D9-8E98-EF3B5255F03E}" type="datetimeFigureOut">
               <a:rPr lang="th-TH" smtClean="0"/>
               <a:pPr/>
-              <a:t>27/10/57</a:t>
+              <a:t>31/03/63</a:t>
             </a:fld>
             <a:endParaRPr lang="th-TH"/>
           </a:p>
@@ -1015,8 +1045,8 @@
         </p:nvSpPr>
         <p:spPr>
           <a:xfrm>
-            <a:off x="62931" y="1449303"/>
-            <a:ext cx="9021537" cy="1527349"/>
+            <a:off x="83909" y="1449304"/>
+            <a:ext cx="12028716" cy="1527349"/>
           </a:xfrm>
           <a:prstGeom prst="rect">
             <a:avLst/>
@@ -1051,7 +1081,7 @@
           <a:lstStyle/>
           <a:p>
             <a:pPr algn="ctr" eaLnBrk="1" latinLnBrk="0" hangingPunct="1"/>
-            <a:endParaRPr kumimoji="0" lang="en-US" dirty="0">
+            <a:endParaRPr kumimoji="0" lang="en-US" sz="2800" dirty="0">
               <a:solidFill>
                 <a:srgbClr val="CCFF33"/>
               </a:solidFill>
@@ -1067,8 +1097,8 @@
         </p:nvSpPr>
         <p:spPr>
           <a:xfrm>
-            <a:off x="62931" y="1396720"/>
-            <a:ext cx="9021537" cy="120580"/>
+            <a:off x="83909" y="1396720"/>
+            <a:ext cx="12028716" cy="120580"/>
           </a:xfrm>
           <a:prstGeom prst="rect">
             <a:avLst/>
@@ -1103,7 +1133,7 @@
           <a:lstStyle/>
           <a:p>
             <a:pPr algn="ctr" eaLnBrk="1" latinLnBrk="0" hangingPunct="1"/>
-            <a:endParaRPr kumimoji="0" lang="en-US"/>
+            <a:endParaRPr kumimoji="0" lang="en-US" sz="2800"/>
           </a:p>
         </p:txBody>
       </p:sp>
@@ -1115,8 +1145,8 @@
         </p:nvSpPr>
         <p:spPr>
           <a:xfrm>
-            <a:off x="62931" y="2976649"/>
-            <a:ext cx="9021537" cy="110532"/>
+            <a:off x="83909" y="2976649"/>
+            <a:ext cx="12028716" cy="110532"/>
           </a:xfrm>
           <a:prstGeom prst="rect">
             <a:avLst/>
@@ -1149,7 +1179,7 @@
           <a:lstStyle/>
           <a:p>
             <a:pPr algn="ctr" eaLnBrk="1" latinLnBrk="0" hangingPunct="1"/>
-            <a:endParaRPr kumimoji="0" lang="en-US"/>
+            <a:endParaRPr kumimoji="0" lang="en-US" sz="2800"/>
           </a:p>
         </p:txBody>
       </p:sp>
@@ -1165,8 +1195,8 @@
         </p:nvSpPr>
         <p:spPr>
           <a:xfrm>
-            <a:off x="457200" y="1505930"/>
-            <a:ext cx="8229600" cy="1470025"/>
+            <a:off x="609600" y="1505931"/>
+            <a:ext cx="10972800" cy="1470025"/>
           </a:xfrm>
         </p:spPr>
         <p:txBody>
@@ -1191,7 +1221,7 @@
           </a:lstStyle>
           <a:p>
             <a:r>
-              <a:rPr kumimoji="0" lang="th-TH" smtClean="0"/>
+              <a:rPr kumimoji="0" lang="th-TH"/>
               <a:t>คลิกเพื่อแก้ไขลักษณะชื่อเรื่องต้นแบบ</a:t>
             </a:r>
             <a:endParaRPr kumimoji="0" lang="en-US"/>
@@ -1239,7 +1269,7 @@
           <a:lstStyle/>
           <a:p>
             <a:r>
-              <a:rPr kumimoji="0" lang="th-TH" smtClean="0"/>
+              <a:rPr kumimoji="0" lang="th-TH"/>
               <a:t>คลิกเพื่อแก้ไขลักษณะชื่อเรื่องต้นแบบ</a:t>
             </a:r>
             <a:endParaRPr kumimoji="0" lang="en-US"/>
@@ -1263,35 +1293,35 @@
           <a:p>
             <a:pPr lvl="0" eaLnBrk="1" latinLnBrk="0" hangingPunct="1"/>
             <a:r>
-              <a:rPr lang="th-TH" smtClean="0"/>
+              <a:rPr lang="th-TH"/>
               <a:t>คลิกเพื่อแก้ไขลักษณะของข้อความต้นแบบ</a:t>
             </a:r>
           </a:p>
           <a:p>
             <a:pPr lvl="1" eaLnBrk="1" latinLnBrk="0" hangingPunct="1"/>
             <a:r>
-              <a:rPr lang="th-TH" smtClean="0"/>
+              <a:rPr lang="th-TH"/>
               <a:t>ระดับที่สอง</a:t>
             </a:r>
           </a:p>
           <a:p>
             <a:pPr lvl="2" eaLnBrk="1" latinLnBrk="0" hangingPunct="1"/>
             <a:r>
-              <a:rPr lang="th-TH" smtClean="0"/>
+              <a:rPr lang="th-TH"/>
               <a:t>ระดับที่สาม</a:t>
             </a:r>
           </a:p>
           <a:p>
             <a:pPr lvl="3" eaLnBrk="1" latinLnBrk="0" hangingPunct="1"/>
             <a:r>
-              <a:rPr lang="th-TH" smtClean="0"/>
+              <a:rPr lang="th-TH"/>
               <a:t>ระดับที่สี่</a:t>
             </a:r>
           </a:p>
           <a:p>
             <a:pPr lvl="4" eaLnBrk="1" latinLnBrk="0" hangingPunct="1"/>
             <a:r>
-              <a:rPr lang="th-TH" smtClean="0"/>
+              <a:rPr lang="th-TH"/>
               <a:t>ระดับที่ห้า</a:t>
             </a:r>
             <a:endParaRPr kumimoji="0" lang="en-US"/>
@@ -1316,7 +1346,7 @@
             <a:fld id="{DF082D63-1A09-43D9-8E98-EF3B5255F03E}" type="datetimeFigureOut">
               <a:rPr lang="th-TH" smtClean="0"/>
               <a:pPr/>
-              <a:t>27/10/57</a:t>
+              <a:t>31/03/63</a:t>
             </a:fld>
             <a:endParaRPr lang="th-TH"/>
           </a:p>
@@ -1402,8 +1432,8 @@
         </p:nvSpPr>
         <p:spPr>
           <a:xfrm>
-            <a:off x="6629400" y="274641"/>
-            <a:ext cx="2011680" cy="5851525"/>
+            <a:off x="8839200" y="274642"/>
+            <a:ext cx="2682240" cy="5851525"/>
           </a:xfrm>
         </p:spPr>
         <p:txBody>
@@ -1411,7 +1441,7 @@
           <a:lstStyle/>
           <a:p>
             <a:r>
-              <a:rPr kumimoji="0" lang="th-TH" smtClean="0"/>
+              <a:rPr kumimoji="0" lang="th-TH"/>
               <a:t>คลิกเพื่อแก้ไขลักษณะชื่อเรื่องต้นแบบ</a:t>
             </a:r>
             <a:endParaRPr kumimoji="0" lang="en-US"/>
@@ -1430,8 +1460,8 @@
         </p:nvSpPr>
         <p:spPr>
           <a:xfrm>
-            <a:off x="914400" y="274640"/>
-            <a:ext cx="5562600" cy="5851525"/>
+            <a:off x="1219200" y="274641"/>
+            <a:ext cx="7416800" cy="5851525"/>
           </a:xfrm>
         </p:spPr>
         <p:txBody>
@@ -1440,35 +1470,35 @@
           <a:p>
             <a:pPr lvl="0" eaLnBrk="1" latinLnBrk="0" hangingPunct="1"/>
             <a:r>
-              <a:rPr lang="th-TH" smtClean="0"/>
+              <a:rPr lang="th-TH"/>
               <a:t>คลิกเพื่อแก้ไขลักษณะของข้อความต้นแบบ</a:t>
             </a:r>
           </a:p>
           <a:p>
             <a:pPr lvl="1" eaLnBrk="1" latinLnBrk="0" hangingPunct="1"/>
             <a:r>
-              <a:rPr lang="th-TH" smtClean="0"/>
+              <a:rPr lang="th-TH"/>
               <a:t>ระดับที่สอง</a:t>
             </a:r>
           </a:p>
           <a:p>
             <a:pPr lvl="2" eaLnBrk="1" latinLnBrk="0" hangingPunct="1"/>
             <a:r>
-              <a:rPr lang="th-TH" smtClean="0"/>
+              <a:rPr lang="th-TH"/>
               <a:t>ระดับที่สาม</a:t>
             </a:r>
           </a:p>
           <a:p>
             <a:pPr lvl="3" eaLnBrk="1" latinLnBrk="0" hangingPunct="1"/>
             <a:r>
-              <a:rPr lang="th-TH" smtClean="0"/>
+              <a:rPr lang="th-TH"/>
               <a:t>ระดับที่สี่</a:t>
             </a:r>
           </a:p>
           <a:p>
             <a:pPr lvl="4" eaLnBrk="1" latinLnBrk="0" hangingPunct="1"/>
             <a:r>
-              <a:rPr lang="th-TH" smtClean="0"/>
+              <a:rPr lang="th-TH"/>
               <a:t>ระดับที่ห้า</a:t>
             </a:r>
             <a:endParaRPr kumimoji="0" lang="en-US"/>
@@ -1493,7 +1523,7 @@
             <a:fld id="{DF082D63-1A09-43D9-8E98-EF3B5255F03E}" type="datetimeFigureOut">
               <a:rPr lang="th-TH" smtClean="0"/>
               <a:pPr/>
-              <a:t>27/10/57</a:t>
+              <a:t>31/03/63</a:t>
             </a:fld>
             <a:endParaRPr lang="th-TH"/>
           </a:p>
@@ -1598,7 +1628,7 @@
           </a:lstStyle>
           <a:p>
             <a:r>
-              <a:rPr kumimoji="0" lang="th-TH" smtClean="0"/>
+              <a:rPr kumimoji="0" lang="th-TH"/>
               <a:t>คลิกเพื่อแก้ไขลักษณะชื่อเรื่องต้นแบบ</a:t>
             </a:r>
             <a:endParaRPr kumimoji="0" lang="en-US" dirty="0"/>
@@ -1623,7 +1653,7 @@
             <a:fld id="{DF082D63-1A09-43D9-8E98-EF3B5255F03E}" type="datetimeFigureOut">
               <a:rPr lang="th-TH" smtClean="0"/>
               <a:pPr/>
-              <a:t>27/10/57</a:t>
+              <a:t>31/03/63</a:t>
             </a:fld>
             <a:endParaRPr lang="th-TH"/>
           </a:p>
@@ -1684,8 +1714,8 @@
         </p:nvSpPr>
         <p:spPr>
           <a:xfrm>
-            <a:off x="428596" y="1447800"/>
-            <a:ext cx="8258204" cy="4572000"/>
+            <a:off x="571461" y="1447800"/>
+            <a:ext cx="11010939" cy="4572000"/>
           </a:xfrm>
         </p:spPr>
         <p:txBody>
@@ -1720,35 +1750,35 @@
           <a:p>
             <a:pPr lvl="0" eaLnBrk="1" latinLnBrk="0" hangingPunct="1"/>
             <a:r>
-              <a:rPr lang="th-TH" smtClean="0"/>
+              <a:rPr lang="th-TH"/>
               <a:t>คลิกเพื่อแก้ไขลักษณะของข้อความต้นแบบ</a:t>
             </a:r>
           </a:p>
           <a:p>
             <a:pPr lvl="1" eaLnBrk="1" latinLnBrk="0" hangingPunct="1"/>
             <a:r>
-              <a:rPr lang="th-TH" smtClean="0"/>
+              <a:rPr lang="th-TH"/>
               <a:t>ระดับที่สอง</a:t>
             </a:r>
           </a:p>
           <a:p>
             <a:pPr lvl="2" eaLnBrk="1" latinLnBrk="0" hangingPunct="1"/>
             <a:r>
-              <a:rPr lang="th-TH" smtClean="0"/>
+              <a:rPr lang="th-TH"/>
               <a:t>ระดับที่สาม</a:t>
             </a:r>
           </a:p>
           <a:p>
             <a:pPr lvl="3" eaLnBrk="1" latinLnBrk="0" hangingPunct="1"/>
             <a:r>
-              <a:rPr lang="th-TH" smtClean="0"/>
+              <a:rPr lang="th-TH"/>
               <a:t>ระดับที่สี่</a:t>
             </a:r>
           </a:p>
           <a:p>
             <a:pPr lvl="4" eaLnBrk="1" latinLnBrk="0" hangingPunct="1"/>
             <a:r>
-              <a:rPr lang="th-TH" smtClean="0"/>
+              <a:rPr lang="th-TH"/>
               <a:t>ระดับที่ห้า</a:t>
             </a:r>
             <a:endParaRPr kumimoji="0" lang="en-US" dirty="0"/>
@@ -1794,7 +1824,7 @@
         <p:spPr>
           <a:xfrm>
             <a:off x="0" y="0"/>
-            <a:ext cx="9144000" cy="6858000"/>
+            <a:ext cx="12192000" cy="6858000"/>
           </a:xfrm>
           <a:prstGeom prst="rect">
             <a:avLst/>
@@ -1826,7 +1856,7 @@
           <a:lstStyle/>
           <a:p>
             <a:pPr algn="ctr" eaLnBrk="1" latinLnBrk="0" hangingPunct="1"/>
-            <a:endParaRPr kumimoji="0" lang="en-US"/>
+            <a:endParaRPr kumimoji="0" lang="en-US" sz="2800"/>
           </a:p>
         </p:txBody>
       </p:sp>
@@ -1838,8 +1868,8 @@
         </p:nvSpPr>
         <p:spPr>
           <a:xfrm>
-            <a:off x="65313" y="69755"/>
-            <a:ext cx="9013372" cy="6692201"/>
+            <a:off x="87084" y="69756"/>
+            <a:ext cx="12017829" cy="6692201"/>
           </a:xfrm>
           <a:prstGeom prst="roundRect">
             <a:avLst>
@@ -1875,7 +1905,7 @@
           <a:lstStyle/>
           <a:p>
             <a:pPr algn="ctr" eaLnBrk="1" latinLnBrk="0" hangingPunct="1"/>
-            <a:endParaRPr kumimoji="0" lang="en-US"/>
+            <a:endParaRPr kumimoji="0" lang="en-US" sz="2800"/>
           </a:p>
         </p:txBody>
       </p:sp>
@@ -1891,8 +1921,8 @@
         </p:nvSpPr>
         <p:spPr>
           <a:xfrm>
-            <a:off x="722313" y="952500"/>
-            <a:ext cx="7772400" cy="1362075"/>
+            <a:off x="963084" y="952501"/>
+            <a:ext cx="10363200" cy="1362075"/>
           </a:xfrm>
         </p:spPr>
         <p:txBody>
@@ -1905,7 +1935,7 @@
           </a:lstStyle>
           <a:p>
             <a:r>
-              <a:rPr kumimoji="0" lang="th-TH" smtClean="0"/>
+              <a:rPr kumimoji="0" lang="th-TH"/>
               <a:t>คลิกเพื่อแก้ไขลักษณะชื่อเรื่องต้นแบบ</a:t>
             </a:r>
             <a:endParaRPr kumimoji="0" lang="en-US"/>
@@ -1924,8 +1954,8 @@
         </p:nvSpPr>
         <p:spPr>
           <a:xfrm>
-            <a:off x="722313" y="2547938"/>
-            <a:ext cx="7772400" cy="1338262"/>
+            <a:off x="963084" y="2547938"/>
+            <a:ext cx="10363200" cy="1338262"/>
           </a:xfrm>
         </p:spPr>
         <p:txBody>
@@ -1985,7 +2015,7 @@
           <a:p>
             <a:pPr lvl="0" eaLnBrk="1" latinLnBrk="0" hangingPunct="1"/>
             <a:r>
-              <a:rPr kumimoji="0" lang="th-TH" smtClean="0"/>
+              <a:rPr kumimoji="0" lang="th-TH"/>
               <a:t>คลิกเพื่อแก้ไขลักษณะของข้อความต้นแบบ</a:t>
             </a:r>
           </a:p>
@@ -2009,7 +2039,7 @@
             <a:fld id="{DF082D63-1A09-43D9-8E98-EF3B5255F03E}" type="datetimeFigureOut">
               <a:rPr lang="th-TH" smtClean="0"/>
               <a:pPr/>
-              <a:t>27/10/57</a:t>
+              <a:t>31/03/63</a:t>
             </a:fld>
             <a:endParaRPr lang="th-TH"/>
           </a:p>
@@ -2027,8 +2057,8 @@
         </p:nvSpPr>
         <p:spPr>
           <a:xfrm>
-            <a:off x="800100" y="6172200"/>
-            <a:ext cx="4000500" cy="457200"/>
+            <a:off x="1066800" y="6172200"/>
+            <a:ext cx="5334000" cy="457200"/>
           </a:xfrm>
         </p:spPr>
         <p:txBody>
@@ -2047,8 +2077,8 @@
         </p:nvSpPr>
         <p:spPr>
           <a:xfrm flipV="1">
-            <a:off x="69412" y="2376830"/>
-            <a:ext cx="9013515" cy="91440"/>
+            <a:off x="92550" y="2376830"/>
+            <a:ext cx="12018020" cy="91440"/>
           </a:xfrm>
           <a:prstGeom prst="rect">
             <a:avLst/>
@@ -2083,7 +2113,7 @@
           <a:lstStyle/>
           <a:p>
             <a:pPr algn="ctr" eaLnBrk="1" latinLnBrk="0" hangingPunct="1"/>
-            <a:endParaRPr kumimoji="0" lang="en-US"/>
+            <a:endParaRPr kumimoji="0" lang="en-US" sz="2800"/>
           </a:p>
         </p:txBody>
       </p:sp>
@@ -2095,8 +2125,8 @@
         </p:nvSpPr>
         <p:spPr>
           <a:xfrm>
-            <a:off x="69146" y="2341475"/>
-            <a:ext cx="9013781" cy="45719"/>
+            <a:off x="92195" y="2341476"/>
+            <a:ext cx="12018375" cy="45719"/>
           </a:xfrm>
           <a:prstGeom prst="rect">
             <a:avLst/>
@@ -2131,7 +2161,7 @@
           <a:lstStyle/>
           <a:p>
             <a:pPr algn="ctr" eaLnBrk="1" latinLnBrk="0" hangingPunct="1"/>
-            <a:endParaRPr kumimoji="0" lang="en-US"/>
+            <a:endParaRPr kumimoji="0" lang="en-US" sz="2800"/>
           </a:p>
         </p:txBody>
       </p:sp>
@@ -2143,8 +2173,8 @@
         </p:nvSpPr>
         <p:spPr>
           <a:xfrm>
-            <a:off x="68306" y="2468880"/>
-            <a:ext cx="9014621" cy="45720"/>
+            <a:off x="91075" y="2468880"/>
+            <a:ext cx="12019495" cy="45720"/>
           </a:xfrm>
           <a:prstGeom prst="rect">
             <a:avLst/>
@@ -2177,7 +2207,7 @@
           <a:lstStyle/>
           <a:p>
             <a:pPr algn="ctr" eaLnBrk="1" latinLnBrk="0" hangingPunct="1"/>
-            <a:endParaRPr kumimoji="0" lang="en-US"/>
+            <a:endParaRPr kumimoji="0" lang="en-US" sz="2800"/>
           </a:p>
         </p:txBody>
       </p:sp>
@@ -2193,8 +2223,8 @@
         </p:nvSpPr>
         <p:spPr>
           <a:xfrm>
-            <a:off x="146304" y="6208776"/>
-            <a:ext cx="457200" cy="457200"/>
+            <a:off x="195072" y="6208776"/>
+            <a:ext cx="609600" cy="457200"/>
           </a:xfrm>
         </p:spPr>
         <p:txBody>
@@ -2251,7 +2281,7 @@
           <a:lstStyle/>
           <a:p>
             <a:r>
-              <a:rPr kumimoji="0" lang="th-TH" smtClean="0"/>
+              <a:rPr kumimoji="0" lang="th-TH"/>
               <a:t>คลิกเพื่อแก้ไขลักษณะชื่อเรื่องต้นแบบ</a:t>
             </a:r>
             <a:endParaRPr kumimoji="0" lang="en-US"/>
@@ -2276,7 +2306,7 @@
             <a:fld id="{DF082D63-1A09-43D9-8E98-EF3B5255F03E}" type="datetimeFigureOut">
               <a:rPr lang="th-TH" smtClean="0"/>
               <a:pPr/>
-              <a:t>27/10/57</a:t>
+              <a:t>31/03/63</a:t>
             </a:fld>
             <a:endParaRPr lang="th-TH"/>
           </a:p>
@@ -2337,8 +2367,8 @@
         </p:nvSpPr>
         <p:spPr>
           <a:xfrm>
-            <a:off x="428596" y="1500174"/>
-            <a:ext cx="3749040" cy="4572000"/>
+            <a:off x="571461" y="1500174"/>
+            <a:ext cx="4998720" cy="4572000"/>
           </a:xfrm>
         </p:spPr>
         <p:txBody>
@@ -2347,35 +2377,35 @@
           <a:p>
             <a:pPr lvl="0" eaLnBrk="1" latinLnBrk="0" hangingPunct="1"/>
             <a:r>
-              <a:rPr lang="th-TH" smtClean="0"/>
+              <a:rPr lang="th-TH"/>
               <a:t>คลิกเพื่อแก้ไขลักษณะของข้อความต้นแบบ</a:t>
             </a:r>
           </a:p>
           <a:p>
             <a:pPr lvl="1" eaLnBrk="1" latinLnBrk="0" hangingPunct="1"/>
             <a:r>
-              <a:rPr lang="th-TH" smtClean="0"/>
+              <a:rPr lang="th-TH"/>
               <a:t>ระดับที่สอง</a:t>
             </a:r>
           </a:p>
           <a:p>
             <a:pPr lvl="2" eaLnBrk="1" latinLnBrk="0" hangingPunct="1"/>
             <a:r>
-              <a:rPr lang="th-TH" smtClean="0"/>
+              <a:rPr lang="th-TH"/>
               <a:t>ระดับที่สาม</a:t>
             </a:r>
           </a:p>
           <a:p>
             <a:pPr lvl="3" eaLnBrk="1" latinLnBrk="0" hangingPunct="1"/>
             <a:r>
-              <a:rPr lang="th-TH" smtClean="0"/>
+              <a:rPr lang="th-TH"/>
               <a:t>ระดับที่สี่</a:t>
             </a:r>
           </a:p>
           <a:p>
             <a:pPr lvl="4" eaLnBrk="1" latinLnBrk="0" hangingPunct="1"/>
             <a:r>
-              <a:rPr lang="th-TH" smtClean="0"/>
+              <a:rPr lang="th-TH"/>
               <a:t>ระดับที่ห้า</a:t>
             </a:r>
             <a:endParaRPr kumimoji="0" lang="en-US"/>
@@ -2394,8 +2424,8 @@
         </p:nvSpPr>
         <p:spPr>
           <a:xfrm>
-            <a:off x="4933950" y="1447800"/>
-            <a:ext cx="3749040" cy="4572000"/>
+            <a:off x="6578600" y="1447800"/>
+            <a:ext cx="4998720" cy="4572000"/>
           </a:xfrm>
         </p:spPr>
         <p:txBody>
@@ -2404,35 +2434,35 @@
           <a:p>
             <a:pPr lvl="0" eaLnBrk="1" latinLnBrk="0" hangingPunct="1"/>
             <a:r>
-              <a:rPr lang="th-TH" smtClean="0"/>
+              <a:rPr lang="th-TH"/>
               <a:t>คลิกเพื่อแก้ไขลักษณะของข้อความต้นแบบ</a:t>
             </a:r>
           </a:p>
           <a:p>
             <a:pPr lvl="1" eaLnBrk="1" latinLnBrk="0" hangingPunct="1"/>
             <a:r>
-              <a:rPr lang="th-TH" smtClean="0"/>
+              <a:rPr lang="th-TH"/>
               <a:t>ระดับที่สอง</a:t>
             </a:r>
           </a:p>
           <a:p>
             <a:pPr lvl="2" eaLnBrk="1" latinLnBrk="0" hangingPunct="1"/>
             <a:r>
-              <a:rPr lang="th-TH" smtClean="0"/>
+              <a:rPr lang="th-TH"/>
               <a:t>ระดับที่สาม</a:t>
             </a:r>
           </a:p>
           <a:p>
             <a:pPr lvl="3" eaLnBrk="1" latinLnBrk="0" hangingPunct="1"/>
             <a:r>
-              <a:rPr lang="th-TH" smtClean="0"/>
+              <a:rPr lang="th-TH"/>
               <a:t>ระดับที่สี่</a:t>
             </a:r>
           </a:p>
           <a:p>
             <a:pPr lvl="4" eaLnBrk="1" latinLnBrk="0" hangingPunct="1"/>
             <a:r>
-              <a:rPr lang="th-TH" smtClean="0"/>
+              <a:rPr lang="th-TH"/>
               <a:t>ระดับที่ห้า</a:t>
             </a:r>
             <a:endParaRPr kumimoji="0" lang="en-US"/>
@@ -2476,8 +2506,8 @@
         </p:nvSpPr>
         <p:spPr>
           <a:xfrm>
-            <a:off x="914400" y="273050"/>
-            <a:ext cx="7772400" cy="1143000"/>
+            <a:off x="1219200" y="273050"/>
+            <a:ext cx="10363200" cy="1143000"/>
           </a:xfrm>
         </p:spPr>
         <p:txBody>
@@ -2489,7 +2519,7 @@
           </a:lstStyle>
           <a:p>
             <a:r>
-              <a:rPr kumimoji="0" lang="th-TH" smtClean="0"/>
+              <a:rPr kumimoji="0" lang="th-TH"/>
               <a:t>คลิกเพื่อแก้ไขลักษณะชื่อเรื่องต้นแบบ</a:t>
             </a:r>
             <a:endParaRPr kumimoji="0" lang="en-US"/>
@@ -2508,8 +2538,8 @@
         </p:nvSpPr>
         <p:spPr>
           <a:xfrm>
-            <a:off x="914400" y="1447800"/>
-            <a:ext cx="3733800" cy="762000"/>
+            <a:off x="1219200" y="1447800"/>
+            <a:ext cx="4978400" cy="762000"/>
           </a:xfrm>
           <a:noFill/>
           <a:ln w="12700" cap="sq" cmpd="sng" algn="ctr">
@@ -2553,7 +2583,7 @@
           <a:p>
             <a:pPr lvl="0" eaLnBrk="1" latinLnBrk="0" hangingPunct="1"/>
             <a:r>
-              <a:rPr kumimoji="0" lang="th-TH" smtClean="0"/>
+              <a:rPr kumimoji="0" lang="th-TH"/>
               <a:t>คลิกเพื่อแก้ไขลักษณะของข้อความต้นแบบ</a:t>
             </a:r>
           </a:p>
@@ -2571,8 +2601,8 @@
         </p:nvSpPr>
         <p:spPr>
           <a:xfrm>
-            <a:off x="4953000" y="1447800"/>
-            <a:ext cx="3733800" cy="762000"/>
+            <a:off x="6604000" y="1447800"/>
+            <a:ext cx="4978400" cy="762000"/>
           </a:xfrm>
           <a:noFill/>
           <a:ln w="12700" cap="sq" cmpd="sng" algn="ctr">
@@ -2616,7 +2646,7 @@
           <a:p>
             <a:pPr lvl="0" eaLnBrk="1" latinLnBrk="0" hangingPunct="1"/>
             <a:r>
-              <a:rPr kumimoji="0" lang="th-TH" smtClean="0"/>
+              <a:rPr kumimoji="0" lang="th-TH"/>
               <a:t>คลิกเพื่อแก้ไขลักษณะของข้อความต้นแบบ</a:t>
             </a:r>
           </a:p>
@@ -2640,7 +2670,7 @@
             <a:fld id="{DF082D63-1A09-43D9-8E98-EF3B5255F03E}" type="datetimeFigureOut">
               <a:rPr lang="th-TH" smtClean="0"/>
               <a:pPr/>
-              <a:t>27/10/57</a:t>
+              <a:t>31/03/63</a:t>
             </a:fld>
             <a:endParaRPr lang="th-TH"/>
           </a:p>
@@ -2701,8 +2731,8 @@
         </p:nvSpPr>
         <p:spPr>
           <a:xfrm>
-            <a:off x="914400" y="2247900"/>
-            <a:ext cx="3733800" cy="3886200"/>
+            <a:off x="1219200" y="2247900"/>
+            <a:ext cx="4978400" cy="3886200"/>
           </a:xfrm>
         </p:spPr>
         <p:txBody>
@@ -2711,35 +2741,35 @@
           <a:p>
             <a:pPr lvl="0" eaLnBrk="1" latinLnBrk="0" hangingPunct="1"/>
             <a:r>
-              <a:rPr lang="th-TH" smtClean="0"/>
+              <a:rPr lang="th-TH"/>
               <a:t>คลิกเพื่อแก้ไขลักษณะของข้อความต้นแบบ</a:t>
             </a:r>
           </a:p>
           <a:p>
             <a:pPr lvl="1" eaLnBrk="1" latinLnBrk="0" hangingPunct="1"/>
             <a:r>
-              <a:rPr lang="th-TH" smtClean="0"/>
+              <a:rPr lang="th-TH"/>
               <a:t>ระดับที่สอง</a:t>
             </a:r>
           </a:p>
           <a:p>
             <a:pPr lvl="2" eaLnBrk="1" latinLnBrk="0" hangingPunct="1"/>
             <a:r>
-              <a:rPr lang="th-TH" smtClean="0"/>
+              <a:rPr lang="th-TH"/>
               <a:t>ระดับที่สาม</a:t>
             </a:r>
           </a:p>
           <a:p>
             <a:pPr lvl="3" eaLnBrk="1" latinLnBrk="0" hangingPunct="1"/>
             <a:r>
-              <a:rPr lang="th-TH" smtClean="0"/>
+              <a:rPr lang="th-TH"/>
               <a:t>ระดับที่สี่</a:t>
             </a:r>
           </a:p>
           <a:p>
             <a:pPr lvl="4" eaLnBrk="1" latinLnBrk="0" hangingPunct="1"/>
             <a:r>
-              <a:rPr lang="th-TH" smtClean="0"/>
+              <a:rPr lang="th-TH"/>
               <a:t>ระดับที่ห้า</a:t>
             </a:r>
             <a:endParaRPr kumimoji="0" lang="en-US"/>
@@ -2758,8 +2788,8 @@
         </p:nvSpPr>
         <p:spPr>
           <a:xfrm>
-            <a:off x="4953000" y="2247900"/>
-            <a:ext cx="3733800" cy="3886200"/>
+            <a:off x="6604000" y="2247900"/>
+            <a:ext cx="4978400" cy="3886200"/>
           </a:xfrm>
         </p:spPr>
         <p:txBody>
@@ -2768,35 +2798,35 @@
           <a:p>
             <a:pPr lvl="0" eaLnBrk="1" latinLnBrk="0" hangingPunct="1"/>
             <a:r>
-              <a:rPr lang="th-TH" smtClean="0"/>
+              <a:rPr lang="th-TH"/>
               <a:t>คลิกเพื่อแก้ไขลักษณะของข้อความต้นแบบ</a:t>
             </a:r>
           </a:p>
           <a:p>
             <a:pPr lvl="1" eaLnBrk="1" latinLnBrk="0" hangingPunct="1"/>
             <a:r>
-              <a:rPr lang="th-TH" smtClean="0"/>
+              <a:rPr lang="th-TH"/>
               <a:t>ระดับที่สอง</a:t>
             </a:r>
           </a:p>
           <a:p>
             <a:pPr lvl="2" eaLnBrk="1" latinLnBrk="0" hangingPunct="1"/>
             <a:r>
-              <a:rPr lang="th-TH" smtClean="0"/>
+              <a:rPr lang="th-TH"/>
               <a:t>ระดับที่สาม</a:t>
             </a:r>
           </a:p>
           <a:p>
             <a:pPr lvl="3" eaLnBrk="1" latinLnBrk="0" hangingPunct="1"/>
             <a:r>
-              <a:rPr lang="th-TH" smtClean="0"/>
+              <a:rPr lang="th-TH"/>
               <a:t>ระดับที่สี่</a:t>
             </a:r>
           </a:p>
           <a:p>
             <a:pPr lvl="4" eaLnBrk="1" latinLnBrk="0" hangingPunct="1"/>
             <a:r>
-              <a:rPr lang="th-TH" smtClean="0"/>
+              <a:rPr lang="th-TH"/>
               <a:t>ระดับที่ห้า</a:t>
             </a:r>
             <a:endParaRPr kumimoji="0" lang="en-US"/>
@@ -2844,7 +2874,7 @@
           <a:lstStyle/>
           <a:p>
             <a:r>
-              <a:rPr kumimoji="0" lang="th-TH" smtClean="0"/>
+              <a:rPr kumimoji="0" lang="th-TH"/>
               <a:t>คลิกเพื่อแก้ไขลักษณะชื่อเรื่องต้นแบบ</a:t>
             </a:r>
             <a:endParaRPr kumimoji="0" lang="en-US"/>
@@ -2869,7 +2899,7 @@
             <a:fld id="{DF082D63-1A09-43D9-8E98-EF3B5255F03E}" type="datetimeFigureOut">
               <a:rPr lang="th-TH" smtClean="0"/>
               <a:pPr/>
-              <a:t>27/10/57</a:t>
+              <a:t>31/03/63</a:t>
             </a:fld>
             <a:endParaRPr lang="th-TH"/>
           </a:p>
@@ -2961,7 +2991,7 @@
             <a:fld id="{DF082D63-1A09-43D9-8E98-EF3B5255F03E}" type="datetimeFigureOut">
               <a:rPr lang="th-TH" smtClean="0"/>
               <a:pPr/>
-              <a:t>27/10/57</a:t>
+              <a:t>31/03/63</a:t>
             </a:fld>
             <a:endParaRPr lang="th-TH"/>
           </a:p>
@@ -3044,7 +3074,7 @@
         <p:spPr>
           <a:xfrm>
             <a:off x="0" y="0"/>
-            <a:ext cx="9144000" cy="6858000"/>
+            <a:ext cx="12192000" cy="6858000"/>
           </a:xfrm>
           <a:prstGeom prst="rect">
             <a:avLst/>
@@ -3077,7 +3107,7 @@
           <a:lstStyle/>
           <a:p>
             <a:pPr algn="ctr" eaLnBrk="1" latinLnBrk="0" hangingPunct="1"/>
-            <a:endParaRPr kumimoji="0" lang="en-US"/>
+            <a:endParaRPr kumimoji="0" lang="en-US" sz="2800"/>
           </a:p>
         </p:txBody>
       </p:sp>
@@ -3089,8 +3119,8 @@
         </p:nvSpPr>
         <p:spPr>
           <a:xfrm>
-            <a:off x="64008" y="69755"/>
-            <a:ext cx="9013372" cy="6693408"/>
+            <a:off x="85344" y="69755"/>
+            <a:ext cx="12017829" cy="6693408"/>
           </a:xfrm>
           <a:prstGeom prst="roundRect">
             <a:avLst>
@@ -3126,7 +3156,7 @@
           <a:lstStyle/>
           <a:p>
             <a:pPr algn="ctr" eaLnBrk="1" latinLnBrk="0" hangingPunct="1"/>
-            <a:endParaRPr kumimoji="0" lang="en-US"/>
+            <a:endParaRPr kumimoji="0" lang="en-US" sz="2800"/>
           </a:p>
         </p:txBody>
       </p:sp>
@@ -3142,8 +3172,8 @@
         </p:nvSpPr>
         <p:spPr>
           <a:xfrm>
-            <a:off x="914400" y="273050"/>
-            <a:ext cx="7772400" cy="1143000"/>
+            <a:off x="1219200" y="273050"/>
+            <a:ext cx="10363200" cy="1143000"/>
           </a:xfrm>
         </p:spPr>
         <p:txBody>
@@ -3156,7 +3186,7 @@
           </a:lstStyle>
           <a:p>
             <a:r>
-              <a:rPr kumimoji="0" lang="th-TH" smtClean="0"/>
+              <a:rPr kumimoji="0" lang="th-TH"/>
               <a:t>คลิกเพื่อแก้ไขลักษณะชื่อเรื่องต้นแบบ</a:t>
             </a:r>
             <a:endParaRPr kumimoji="0" lang="en-US"/>
@@ -3175,8 +3205,8 @@
         </p:nvSpPr>
         <p:spPr>
           <a:xfrm>
-            <a:off x="914400" y="1600200"/>
-            <a:ext cx="1905000" cy="4495800"/>
+            <a:off x="1219200" y="1600200"/>
+            <a:ext cx="2540000" cy="4495800"/>
           </a:xfrm>
         </p:spPr>
         <p:txBody>
@@ -3206,7 +3236,7 @@
           <a:p>
             <a:pPr lvl="0" eaLnBrk="1" latinLnBrk="0" hangingPunct="1"/>
             <a:r>
-              <a:rPr kumimoji="0" lang="th-TH" smtClean="0"/>
+              <a:rPr kumimoji="0" lang="th-TH"/>
               <a:t>คลิกเพื่อแก้ไขลักษณะของข้อความต้นแบบ</a:t>
             </a:r>
           </a:p>
@@ -3230,7 +3260,7 @@
             <a:fld id="{DF082D63-1A09-43D9-8E98-EF3B5255F03E}" type="datetimeFigureOut">
               <a:rPr lang="th-TH" smtClean="0"/>
               <a:pPr/>
-              <a:t>27/10/57</a:t>
+              <a:t>31/03/63</a:t>
             </a:fld>
             <a:endParaRPr lang="th-TH"/>
           </a:p>
@@ -3291,8 +3321,8 @@
         </p:nvSpPr>
         <p:spPr>
           <a:xfrm>
-            <a:off x="2971800" y="1600200"/>
-            <a:ext cx="5715000" cy="4495800"/>
+            <a:off x="3962400" y="1600200"/>
+            <a:ext cx="7620000" cy="4495800"/>
           </a:xfrm>
         </p:spPr>
         <p:txBody>
@@ -3301,35 +3331,35 @@
           <a:p>
             <a:pPr lvl="0" eaLnBrk="1" latinLnBrk="0" hangingPunct="1"/>
             <a:r>
-              <a:rPr lang="th-TH" smtClean="0"/>
+              <a:rPr lang="th-TH"/>
               <a:t>คลิกเพื่อแก้ไขลักษณะของข้อความต้นแบบ</a:t>
             </a:r>
           </a:p>
           <a:p>
             <a:pPr lvl="1" eaLnBrk="1" latinLnBrk="0" hangingPunct="1"/>
             <a:r>
-              <a:rPr lang="th-TH" smtClean="0"/>
+              <a:rPr lang="th-TH"/>
               <a:t>ระดับที่สอง</a:t>
             </a:r>
           </a:p>
           <a:p>
             <a:pPr lvl="2" eaLnBrk="1" latinLnBrk="0" hangingPunct="1"/>
             <a:r>
-              <a:rPr lang="th-TH" smtClean="0"/>
+              <a:rPr lang="th-TH"/>
               <a:t>ระดับที่สาม</a:t>
             </a:r>
           </a:p>
           <a:p>
             <a:pPr lvl="3" eaLnBrk="1" latinLnBrk="0" hangingPunct="1"/>
             <a:r>
-              <a:rPr lang="th-TH" smtClean="0"/>
+              <a:rPr lang="th-TH"/>
               <a:t>ระดับที่สี่</a:t>
             </a:r>
           </a:p>
           <a:p>
             <a:pPr lvl="4" eaLnBrk="1" latinLnBrk="0" hangingPunct="1"/>
             <a:r>
-              <a:rPr lang="th-TH" smtClean="0"/>
+              <a:rPr lang="th-TH"/>
               <a:t>ระดับที่ห้า</a:t>
             </a:r>
             <a:endParaRPr kumimoji="0" lang="en-US"/>
@@ -3373,8 +3403,8 @@
         </p:nvSpPr>
         <p:spPr>
           <a:xfrm>
-            <a:off x="914400" y="4900550"/>
-            <a:ext cx="7315200" cy="522288"/>
+            <a:off x="1219200" y="4900550"/>
+            <a:ext cx="9753600" cy="522288"/>
           </a:xfrm>
         </p:spPr>
         <p:txBody>
@@ -3389,7 +3419,7 @@
           </a:lstStyle>
           <a:p>
             <a:r>
-              <a:rPr kumimoji="0" lang="th-TH" smtClean="0"/>
+              <a:rPr kumimoji="0" lang="th-TH"/>
               <a:t>คลิกเพื่อแก้ไขลักษณะชื่อเรื่องต้นแบบ</a:t>
             </a:r>
             <a:endParaRPr kumimoji="0" lang="en-US"/>
@@ -3408,8 +3438,8 @@
         </p:nvSpPr>
         <p:spPr>
           <a:xfrm>
-            <a:off x="914400" y="5445825"/>
-            <a:ext cx="7315200" cy="685800"/>
+            <a:off x="1219200" y="5445825"/>
+            <a:ext cx="9753600" cy="685800"/>
           </a:xfrm>
         </p:spPr>
         <p:txBody>
@@ -3436,7 +3466,7 @@
           <a:p>
             <a:pPr lvl="0" eaLnBrk="1" latinLnBrk="0" hangingPunct="1"/>
             <a:r>
-              <a:rPr kumimoji="0" lang="th-TH" smtClean="0"/>
+              <a:rPr kumimoji="0" lang="th-TH"/>
               <a:t>คลิกเพื่อแก้ไขลักษณะของข้อความต้นแบบ</a:t>
             </a:r>
           </a:p>
@@ -3460,7 +3490,7 @@
             <a:fld id="{DF082D63-1A09-43D9-8E98-EF3B5255F03E}" type="datetimeFigureOut">
               <a:rPr lang="th-TH" smtClean="0"/>
               <a:pPr/>
-              <a:t>27/10/57</a:t>
+              <a:t>31/03/63</a:t>
             </a:fld>
             <a:endParaRPr lang="th-TH"/>
           </a:p>
@@ -3478,8 +3508,8 @@
         </p:nvSpPr>
         <p:spPr>
           <a:xfrm>
-            <a:off x="914400" y="6172200"/>
-            <a:ext cx="3886200" cy="457200"/>
+            <a:off x="1219200" y="6172200"/>
+            <a:ext cx="5181600" cy="457200"/>
           </a:xfrm>
         </p:spPr>
         <p:txBody>
@@ -3502,8 +3532,8 @@
         </p:nvSpPr>
         <p:spPr>
           <a:xfrm>
-            <a:off x="146304" y="6208776"/>
-            <a:ext cx="457200" cy="457200"/>
+            <a:off x="195072" y="6208776"/>
+            <a:ext cx="609600" cy="457200"/>
           </a:xfrm>
         </p:spPr>
         <p:txBody>
@@ -3527,8 +3557,8 @@
         </p:nvSpPr>
         <p:spPr>
           <a:xfrm flipV="1">
-            <a:off x="68307" y="4683555"/>
-            <a:ext cx="9006840" cy="91440"/>
+            <a:off x="91076" y="4683555"/>
+            <a:ext cx="12009120" cy="91440"/>
           </a:xfrm>
           <a:prstGeom prst="rect">
             <a:avLst/>
@@ -3563,7 +3593,7 @@
           <a:lstStyle/>
           <a:p>
             <a:pPr algn="ctr" eaLnBrk="1" latinLnBrk="0" hangingPunct="1"/>
-            <a:endParaRPr kumimoji="0" lang="en-US"/>
+            <a:endParaRPr kumimoji="0" lang="en-US" sz="2800"/>
           </a:p>
         </p:txBody>
       </p:sp>
@@ -3575,8 +3605,8 @@
         </p:nvSpPr>
         <p:spPr>
           <a:xfrm>
-            <a:off x="68508" y="4650474"/>
-            <a:ext cx="9006639" cy="45719"/>
+            <a:off x="91345" y="4650475"/>
+            <a:ext cx="12008852" cy="45719"/>
           </a:xfrm>
           <a:prstGeom prst="rect">
             <a:avLst/>
@@ -3611,7 +3641,7 @@
           <a:lstStyle/>
           <a:p>
             <a:pPr algn="ctr" eaLnBrk="1" latinLnBrk="0" hangingPunct="1"/>
-            <a:endParaRPr kumimoji="0" lang="en-US"/>
+            <a:endParaRPr kumimoji="0" lang="en-US" sz="2800"/>
           </a:p>
         </p:txBody>
       </p:sp>
@@ -3623,8 +3653,8 @@
         </p:nvSpPr>
         <p:spPr>
           <a:xfrm>
-            <a:off x="68510" y="4773224"/>
-            <a:ext cx="9006637" cy="48807"/>
+            <a:off x="91348" y="4773225"/>
+            <a:ext cx="12008849" cy="48807"/>
           </a:xfrm>
           <a:prstGeom prst="rect">
             <a:avLst/>
@@ -3657,7 +3687,7 @@
           <a:lstStyle/>
           <a:p>
             <a:pPr algn="ctr" eaLnBrk="1" latinLnBrk="0" hangingPunct="1"/>
-            <a:endParaRPr kumimoji="0" lang="en-US"/>
+            <a:endParaRPr kumimoji="0" lang="en-US" sz="2800"/>
           </a:p>
         </p:txBody>
       </p:sp>
@@ -3673,8 +3703,8 @@
         </p:nvSpPr>
         <p:spPr>
           <a:xfrm>
-            <a:off x="68308" y="66675"/>
-            <a:ext cx="9001873" cy="4581525"/>
+            <a:off x="91078" y="66676"/>
+            <a:ext cx="12002497" cy="4581525"/>
           </a:xfrm>
           <a:prstGeom prst="round2SameRect">
             <a:avLst>
@@ -3701,7 +3731,7 @@
           </a:lstStyle>
           <a:p>
             <a:r>
-              <a:rPr kumimoji="0" lang="th-TH" smtClean="0"/>
+              <a:rPr kumimoji="0" lang="th-TH"/>
               <a:t>คลิกไอคอนเพื่อเพิ่มรูปภาพ</a:t>
             </a:r>
             <a:endParaRPr kumimoji="0" lang="en-US" dirty="0"/>
@@ -3747,7 +3777,7 @@
         <p:spPr>
           <a:xfrm>
             <a:off x="0" y="0"/>
-            <a:ext cx="9144000" cy="6858000"/>
+            <a:ext cx="12192000" cy="6858000"/>
           </a:xfrm>
           <a:prstGeom prst="rect">
             <a:avLst/>
@@ -3779,7 +3809,7 @@
           <a:lstStyle/>
           <a:p>
             <a:pPr algn="ctr" eaLnBrk="1" latinLnBrk="0" hangingPunct="1"/>
-            <a:endParaRPr kumimoji="0" lang="en-US"/>
+            <a:endParaRPr kumimoji="0" lang="en-US" sz="2800"/>
           </a:p>
         </p:txBody>
       </p:sp>
@@ -3791,8 +3821,8 @@
         </p:nvSpPr>
         <p:spPr>
           <a:xfrm>
-            <a:off x="64008" y="69755"/>
-            <a:ext cx="9013372" cy="6693408"/>
+            <a:off x="85344" y="69755"/>
+            <a:ext cx="12017829" cy="6693408"/>
           </a:xfrm>
           <a:prstGeom prst="roundRect">
             <a:avLst>
@@ -3828,7 +3858,7 @@
           <a:lstStyle/>
           <a:p>
             <a:pPr algn="ctr" eaLnBrk="1" latinLnBrk="0" hangingPunct="1"/>
-            <a:endParaRPr kumimoji="0" lang="en-US"/>
+            <a:endParaRPr kumimoji="0" lang="en-US" sz="2800"/>
           </a:p>
         </p:txBody>
       </p:sp>
@@ -3844,8 +3874,8 @@
         </p:nvSpPr>
         <p:spPr>
           <a:xfrm>
-            <a:off x="428596" y="274638"/>
-            <a:ext cx="8258204" cy="1143000"/>
+            <a:off x="571461" y="274638"/>
+            <a:ext cx="11010939" cy="1143000"/>
           </a:xfrm>
           <a:prstGeom prst="rect">
             <a:avLst/>
@@ -3858,7 +3888,7 @@
           <a:lstStyle/>
           <a:p>
             <a:r>
-              <a:rPr kumimoji="0" lang="th-TH" dirty="0" smtClean="0"/>
+              <a:rPr kumimoji="0" lang="th-TH" dirty="0"/>
               <a:t>คลิกเพื่อแก้ไขลักษณะชื่อเรื่องต้นแบบ</a:t>
             </a:r>
             <a:endParaRPr kumimoji="0" lang="en-US" dirty="0"/>
@@ -3877,8 +3907,8 @@
         </p:nvSpPr>
         <p:spPr>
           <a:xfrm>
-            <a:off x="428596" y="1447800"/>
-            <a:ext cx="8258204" cy="4572000"/>
+            <a:off x="571461" y="1447800"/>
+            <a:ext cx="11010939" cy="4572000"/>
           </a:xfrm>
           <a:prstGeom prst="rect">
             <a:avLst/>
@@ -3892,35 +3922,35 @@
           <a:p>
             <a:pPr lvl="0" eaLnBrk="1" latinLnBrk="0" hangingPunct="1"/>
             <a:r>
-              <a:rPr kumimoji="0" lang="th-TH" dirty="0" smtClean="0"/>
+              <a:rPr kumimoji="0" lang="th-TH" dirty="0"/>
               <a:t>คลิกเพื่อแก้ไขลักษณะของข้อความต้นแบบ</a:t>
             </a:r>
           </a:p>
           <a:p>
             <a:pPr lvl="1" eaLnBrk="1" latinLnBrk="0" hangingPunct="1"/>
             <a:r>
-              <a:rPr kumimoji="0" lang="th-TH" dirty="0" smtClean="0"/>
+              <a:rPr kumimoji="0" lang="th-TH" dirty="0"/>
               <a:t>ระดับที่สอง</a:t>
             </a:r>
           </a:p>
           <a:p>
             <a:pPr lvl="2" eaLnBrk="1" latinLnBrk="0" hangingPunct="1"/>
             <a:r>
-              <a:rPr kumimoji="0" lang="th-TH" dirty="0" smtClean="0"/>
+              <a:rPr kumimoji="0" lang="th-TH" dirty="0"/>
               <a:t>ระดับที่สาม</a:t>
             </a:r>
           </a:p>
           <a:p>
             <a:pPr lvl="3" eaLnBrk="1" latinLnBrk="0" hangingPunct="1"/>
             <a:r>
-              <a:rPr kumimoji="0" lang="th-TH" dirty="0" smtClean="0"/>
+              <a:rPr kumimoji="0" lang="th-TH" dirty="0"/>
               <a:t>ระดับที่สี่</a:t>
             </a:r>
           </a:p>
           <a:p>
             <a:pPr lvl="4" eaLnBrk="1" latinLnBrk="0" hangingPunct="1"/>
             <a:r>
-              <a:rPr kumimoji="0" lang="th-TH" dirty="0" smtClean="0"/>
+              <a:rPr kumimoji="0" lang="th-TH" dirty="0"/>
               <a:t>ระดับที่ห้า</a:t>
             </a:r>
             <a:endParaRPr kumimoji="0" lang="en-US" dirty="0"/>
@@ -3939,8 +3969,8 @@
         </p:nvSpPr>
         <p:spPr>
           <a:xfrm>
-            <a:off x="6172200" y="6191250"/>
-            <a:ext cx="2476500" cy="476250"/>
+            <a:off x="8229600" y="6191250"/>
+            <a:ext cx="3302000" cy="476250"/>
           </a:xfrm>
           <a:prstGeom prst="rect">
             <a:avLst/>
@@ -3961,7 +3991,7 @@
             <a:fld id="{DF082D63-1A09-43D9-8E98-EF3B5255F03E}" type="datetimeFigureOut">
               <a:rPr lang="th-TH" smtClean="0"/>
               <a:pPr/>
-              <a:t>27/10/57</a:t>
+              <a:t>31/03/63</a:t>
             </a:fld>
             <a:endParaRPr lang="th-TH"/>
           </a:p>
@@ -3979,8 +4009,8 @@
         </p:nvSpPr>
         <p:spPr>
           <a:xfrm>
-            <a:off x="914400" y="6172200"/>
-            <a:ext cx="3962400" cy="457200"/>
+            <a:off x="1219200" y="6172200"/>
+            <a:ext cx="5283200" cy="457200"/>
           </a:xfrm>
           <a:prstGeom prst="rect">
             <a:avLst/>
@@ -4014,8 +4044,8 @@
         </p:nvSpPr>
         <p:spPr>
           <a:xfrm>
-            <a:off x="146304" y="6210300"/>
-            <a:ext cx="457200" cy="457200"/>
+            <a:off x="195072" y="6210300"/>
+            <a:ext cx="609600" cy="457200"/>
           </a:xfrm>
           <a:prstGeom prst="ellipse">
             <a:avLst/>
@@ -4410,7 +4440,6 @@
           <a:lstStyle/>
           <a:p>
             <a:r>
-              <a:rPr smtClean="0"/>
               <a:t>Class Diagram</a:t>
             </a:r>
             <a:endParaRPr lang="th-TH" dirty="0"/>
@@ -4422,13 +4451,6 @@
   <p:clrMapOvr>
     <a:masterClrMapping/>
   </p:clrMapOvr>
-  <p:timing>
-    <p:tnLst>
-      <p:par>
-        <p:cTn id="1" dur="indefinite" restart="never" nodeType="tmRoot"/>
-      </p:par>
-    </p:tnLst>
-  </p:timing>
 </p:sld>
 </file>
 
@@ -4465,15 +4487,15 @@
           <a:lstStyle/>
           <a:p>
             <a:r>
-              <a:rPr lang="en-US" dirty="0" smtClean="0"/>
+              <a:rPr lang="en-US" dirty="0"/>
               <a:t>Visibility </a:t>
             </a:r>
             <a:r>
-              <a:rPr lang="th-TH" dirty="0" smtClean="0"/>
+              <a:rPr lang="th-TH" dirty="0"/>
               <a:t>แบบ </a:t>
             </a:r>
             <a:r>
-              <a:rPr lang="th-TH" dirty="0" err="1" smtClean="0"/>
+              <a:rPr lang="th-TH" dirty="0" err="1"/>
               <a:t>Public</a:t>
             </a:r>
             <a:endParaRPr lang="th-TH" dirty="0"/>
@@ -4496,48 +4518,48 @@
           <a:lstStyle/>
           <a:p>
             <a:r>
-              <a:rPr lang="th-TH" dirty="0" smtClean="0"/>
+              <a:rPr lang="th-TH" dirty="0"/>
               <a:t>มองเห็นและเรียกใช้ได้โดยตรงจากภายนอก</a:t>
             </a:r>
           </a:p>
           <a:p>
             <a:r>
-              <a:rPr lang="th-TH" dirty="0" smtClean="0"/>
+              <a:rPr lang="th-TH" dirty="0"/>
               <a:t>เข้าไปเปลี่ยนค่า อ่านค่า หรือเรียกใช้งานได้ทันทีโดยอิสระจากภายนอก</a:t>
             </a:r>
           </a:p>
           <a:p>
             <a:r>
-              <a:rPr lang="en-US" dirty="0" err="1" smtClean="0"/>
+              <a:rPr lang="en-US" dirty="0" err="1"/>
               <a:t>มักใช้กับ</a:t>
             </a:r>
             <a:r>
-              <a:rPr lang="en-US" dirty="0" smtClean="0"/>
+              <a:rPr lang="en-US" dirty="0"/>
               <a:t> Functions </a:t>
             </a:r>
             <a:r>
-              <a:rPr lang="en-US" dirty="0" err="1" smtClean="0"/>
+              <a:rPr lang="en-US" dirty="0" err="1"/>
               <a:t>มากกว่า</a:t>
             </a:r>
             <a:r>
-              <a:rPr lang="en-US" dirty="0" smtClean="0"/>
+              <a:rPr lang="en-US" dirty="0"/>
               <a:t> Attributes</a:t>
             </a:r>
             <a:r>
-              <a:rPr lang="th-TH" dirty="0" smtClean="0"/>
+              <a:rPr lang="th-TH" dirty="0"/>
               <a:t> </a:t>
             </a:r>
           </a:p>
           <a:p>
             <a:r>
-              <a:rPr lang="th-TH" dirty="0" smtClean="0"/>
+              <a:rPr lang="th-TH" dirty="0"/>
               <a:t>จะใช้เครื่องหมาย (+) กำกับไว้ข้างหน้า</a:t>
             </a:r>
             <a:r>
-              <a:rPr lang="en-US" dirty="0" smtClean="0"/>
+              <a:rPr lang="en-US" dirty="0"/>
               <a:t> </a:t>
             </a:r>
-            <a:endParaRPr lang="th-TH" dirty="0" smtClean="0"/>
+            <a:endParaRPr lang="th-TH" dirty="0"/>
           </a:p>
           <a:p>
             <a:endParaRPr lang="th-TH" dirty="0"/>
@@ -4585,15 +4607,15 @@
           <a:lstStyle/>
           <a:p>
             <a:r>
-              <a:rPr lang="en-US" dirty="0" smtClean="0"/>
+              <a:rPr lang="en-US" dirty="0"/>
               <a:t>Visibility </a:t>
             </a:r>
             <a:r>
-              <a:rPr lang="th-TH" dirty="0" smtClean="0"/>
+              <a:rPr lang="th-TH" dirty="0"/>
               <a:t>แบบ </a:t>
             </a:r>
             <a:r>
-              <a:rPr lang="th-TH" dirty="0" err="1" smtClean="0"/>
+              <a:rPr lang="th-TH" dirty="0" err="1"/>
               <a:t>Private</a:t>
             </a:r>
             <a:endParaRPr lang="th-TH" dirty="0"/>
@@ -4616,54 +4638,54 @@
           <a:lstStyle/>
           <a:p>
             <a:r>
-              <a:rPr lang="th-TH" dirty="0" smtClean="0"/>
+              <a:rPr lang="th-TH" dirty="0"/>
               <a:t>ไม่สามารถเห็นได้จากภายนอก จะเห็นได้ภายในเฉพาะตัว </a:t>
             </a:r>
             <a:r>
-              <a:rPr lang="en-US" dirty="0" smtClean="0"/>
+              <a:rPr lang="en-US" dirty="0"/>
               <a:t>class </a:t>
             </a:r>
             <a:r>
-              <a:rPr lang="th-TH" dirty="0" smtClean="0"/>
+              <a:rPr lang="th-TH" dirty="0"/>
               <a:t>เองเท่านั้น</a:t>
             </a:r>
           </a:p>
           <a:p>
             <a:r>
-              <a:rPr lang="th-TH" dirty="0" smtClean="0"/>
+              <a:rPr lang="th-TH" dirty="0"/>
               <a:t>หากภายนอกต้องการแก้ไข หรืออ่านค่า ทำได้วิธีเดียวคือ ทำผ่าน </a:t>
             </a:r>
             <a:r>
-              <a:rPr lang="en-US" dirty="0" smtClean="0"/>
+              <a:rPr lang="en-US" dirty="0"/>
               <a:t>Function </a:t>
             </a:r>
             <a:r>
-              <a:rPr lang="th-TH" dirty="0" smtClean="0"/>
+              <a:rPr lang="th-TH" dirty="0"/>
               <a:t>ที่เกี่ยวข้อง</a:t>
             </a:r>
           </a:p>
           <a:p>
             <a:r>
-              <a:rPr lang="en-US" dirty="0" err="1" smtClean="0"/>
+              <a:rPr lang="en-US" dirty="0" err="1"/>
               <a:t>โดยทั่วไปมักใช้กับ</a:t>
             </a:r>
             <a:r>
-              <a:rPr lang="en-US" dirty="0" smtClean="0"/>
+              <a:rPr lang="en-US" dirty="0"/>
               <a:t> Attributes </a:t>
             </a:r>
             <a:r>
-              <a:rPr lang="en-US" dirty="0" err="1" smtClean="0"/>
+              <a:rPr lang="en-US" dirty="0" err="1"/>
               <a:t>มากกว่า</a:t>
             </a:r>
             <a:r>
-              <a:rPr lang="en-US" dirty="0" smtClean="0"/>
+              <a:rPr lang="en-US" dirty="0"/>
               <a:t> Functions </a:t>
             </a:r>
-            <a:endParaRPr lang="th-TH" dirty="0" smtClean="0"/>
-          </a:p>
-          <a:p>
-            <a:r>
-              <a:rPr lang="th-TH" dirty="0" smtClean="0"/>
+            <a:endParaRPr lang="th-TH" dirty="0"/>
+          </a:p>
+          <a:p>
+            <a:r>
+              <a:rPr lang="th-TH" dirty="0"/>
               <a:t>จะใช้เครื่องหมาย (-) กำกับไว้ข้างหน้า</a:t>
             </a:r>
           </a:p>
@@ -4713,15 +4735,15 @@
           <a:lstStyle/>
           <a:p>
             <a:r>
-              <a:rPr lang="en-US" dirty="0" smtClean="0"/>
+              <a:rPr lang="en-US" dirty="0"/>
               <a:t>Visibility </a:t>
             </a:r>
             <a:r>
-              <a:rPr lang="th-TH" dirty="0" smtClean="0"/>
+              <a:rPr lang="th-TH" dirty="0"/>
               <a:t>แบบ </a:t>
             </a:r>
             <a:r>
-              <a:rPr lang="th-TH" dirty="0" err="1" smtClean="0"/>
+              <a:rPr lang="th-TH" dirty="0" err="1"/>
               <a:t>Protected</a:t>
             </a:r>
             <a:endParaRPr lang="th-TH" dirty="0"/>
@@ -4744,93 +4766,92 @@
           <a:lstStyle/>
           <a:p>
             <a:r>
-              <a:rPr lang="th-TH" dirty="0" smtClean="0"/>
+              <a:rPr lang="th-TH" dirty="0"/>
               <a:t>สงวนไว้สำหรับการทำ </a:t>
             </a:r>
             <a:r>
-              <a:rPr lang="en-US" dirty="0" smtClean="0"/>
+              <a:rPr lang="en-US" dirty="0"/>
               <a:t>Inheritance </a:t>
             </a:r>
             <a:r>
-              <a:rPr lang="th-TH" dirty="0" smtClean="0"/>
+              <a:rPr lang="th-TH" dirty="0"/>
               <a:t>โดยเฉพาะ</a:t>
             </a:r>
           </a:p>
           <a:p>
             <a:r>
-              <a:rPr lang="th-TH" dirty="0" smtClean="0"/>
+              <a:rPr lang="th-TH" dirty="0"/>
               <a:t>โดยปกติจะเป็นของ </a:t>
             </a:r>
             <a:r>
-              <a:rPr lang="en-US" dirty="0" err="1" smtClean="0"/>
+              <a:rPr lang="en-US" dirty="0" err="1"/>
               <a:t>Superclass</a:t>
             </a:r>
-            <a:endParaRPr lang="en-US" dirty="0" smtClean="0"/>
-          </a:p>
-          <a:p>
-            <a:r>
-              <a:rPr lang="th-TH" dirty="0" smtClean="0"/>
+            <a:endParaRPr lang="en-US" dirty="0"/>
+          </a:p>
+          <a:p>
+            <a:r>
+              <a:rPr lang="th-TH" dirty="0"/>
               <a:t>เมื่อทำ </a:t>
             </a:r>
             <a:r>
-              <a:rPr lang="en-US" dirty="0" smtClean="0"/>
+              <a:rPr lang="en-US" dirty="0"/>
               <a:t>inheritance </a:t>
             </a:r>
             <a:r>
-              <a:rPr lang="th-TH" dirty="0" smtClean="0"/>
+              <a:rPr lang="th-TH" dirty="0"/>
               <a:t>แล้ว </a:t>
             </a:r>
             <a:r>
-              <a:rPr lang="en-US" dirty="0" smtClean="0"/>
+              <a:rPr lang="en-US" dirty="0"/>
               <a:t>Attributes </a:t>
             </a:r>
             <a:r>
-              <a:rPr lang="th-TH" dirty="0" smtClean="0"/>
+              <a:rPr lang="th-TH" dirty="0"/>
               <a:t>และ </a:t>
             </a:r>
             <a:r>
-              <a:rPr lang="en-US" dirty="0" smtClean="0"/>
+              <a:rPr lang="en-US" dirty="0"/>
               <a:t>Functions </a:t>
             </a:r>
             <a:r>
-              <a:rPr lang="en-US" dirty="0" err="1" smtClean="0"/>
+              <a:rPr lang="en-US" dirty="0" err="1"/>
               <a:t>เหล่านี้จะเป็นได้ทั้ง</a:t>
             </a:r>
             <a:r>
-              <a:rPr lang="en-US" dirty="0" smtClean="0"/>
+              <a:rPr lang="en-US" dirty="0"/>
               <a:t> Private </a:t>
             </a:r>
             <a:r>
-              <a:rPr lang="th-TH" dirty="0" smtClean="0"/>
+              <a:rPr lang="th-TH" dirty="0"/>
               <a:t>หรือ </a:t>
             </a:r>
             <a:r>
-              <a:rPr lang="en-US" dirty="0" smtClean="0"/>
+              <a:rPr lang="en-US" dirty="0"/>
               <a:t>Protect </a:t>
             </a:r>
             <a:r>
-              <a:rPr lang="en-US" dirty="0" err="1" smtClean="0"/>
+              <a:rPr lang="en-US" dirty="0" err="1"/>
               <a:t>ซึ่ง</a:t>
             </a:r>
             <a:r>
-              <a:rPr lang="th-TH" dirty="0" smtClean="0"/>
+              <a:rPr lang="th-TH" dirty="0"/>
               <a:t>ขึ้นอยู่กับภาษาที่ใช้</a:t>
             </a:r>
           </a:p>
           <a:p>
             <a:r>
-              <a:rPr lang="th-TH" dirty="0" smtClean="0"/>
+              <a:rPr lang="th-TH" dirty="0"/>
               <a:t>จะใช้เครื่องหมาย (</a:t>
             </a:r>
             <a:r>
-              <a:rPr lang="en-US" dirty="0" smtClean="0"/>
+              <a:rPr lang="en-US" dirty="0"/>
               <a:t>#</a:t>
             </a:r>
             <a:r>
-              <a:rPr lang="th-TH" dirty="0" smtClean="0"/>
+              <a:rPr lang="th-TH" dirty="0"/>
               <a:t>) กำกับไว้หน้า</a:t>
             </a:r>
-            <a:endParaRPr lang="th-TH" dirty="0"/>
           </a:p>
         </p:txBody>
       </p:sp>
@@ -4875,15 +4896,15 @@
           <a:lstStyle/>
           <a:p>
             <a:r>
-              <a:rPr lang="th-TH" dirty="0" smtClean="0"/>
+              <a:rPr lang="th-TH" dirty="0"/>
               <a:t>ตัวอย่าง </a:t>
             </a:r>
             <a:r>
-              <a:rPr lang="en-US" dirty="0" smtClean="0"/>
+              <a:rPr lang="en-US" dirty="0"/>
               <a:t>Class </a:t>
             </a:r>
             <a:r>
-              <a:rPr lang="en-US" dirty="0" err="1" smtClean="0"/>
+              <a:rPr lang="en-US" dirty="0" err="1"/>
               <a:t>คน</a:t>
             </a:r>
             <a:endParaRPr lang="th-TH" dirty="0"/>
@@ -4900,7 +4921,7 @@
         </p:nvGrpSpPr>
         <p:grpSpPr bwMode="auto">
           <a:xfrm>
-            <a:off x="3214678" y="1428736"/>
+            <a:off x="4738679" y="1428736"/>
             <a:ext cx="2643177" cy="4500594"/>
             <a:chOff x="1872" y="1200"/>
             <a:chExt cx="2016" cy="2592"/>
@@ -4944,17 +4965,10 @@
                   <a:latin typeface="TH Baijam" pitchFamily="2" charset="-34"/>
                   <a:cs typeface="TH Baijam" pitchFamily="2" charset="-34"/>
                 </a:rPr>
-                <a:t>           </a:t>
+                <a:t>             </a:t>
               </a:r>
               <a:r>
-                <a:rPr lang="en-US" sz="2400" dirty="0" smtClean="0">
-                  <a:latin typeface="TH Baijam" pitchFamily="2" charset="-34"/>
-                  <a:cs typeface="TH Baijam" pitchFamily="2" charset="-34"/>
-                </a:rPr>
-                <a:t>  </a:t>
-              </a:r>
-              <a:r>
-                <a:rPr lang="en-US" sz="3200" dirty="0" err="1" smtClean="0">
+                <a:rPr lang="en-US" sz="3200" dirty="0" err="1">
                   <a:latin typeface="TH Baijam" pitchFamily="2" charset="-34"/>
                   <a:cs typeface="TH Baijam" pitchFamily="2" charset="-34"/>
                 </a:rPr>
@@ -4967,7 +4981,7 @@
             </a:p>
             <a:p>
               <a:r>
-                <a:rPr lang="en-US" sz="2400" dirty="0" smtClean="0">
+                <a:rPr lang="en-US" sz="2400" dirty="0">
                   <a:latin typeface="TH Baijam" pitchFamily="2" charset="-34"/>
                   <a:cs typeface="TH Baijam" pitchFamily="2" charset="-34"/>
                 </a:rPr>
@@ -5054,7 +5068,7 @@
             </a:p>
             <a:p>
               <a:r>
-                <a:rPr lang="en-US" sz="2400" dirty="0" smtClean="0">
+                <a:rPr lang="en-US" sz="2400" dirty="0">
                   <a:latin typeface="TH Baijam" pitchFamily="2" charset="-34"/>
                   <a:cs typeface="TH Baijam" pitchFamily="2" charset="-34"/>
                 </a:rPr>
@@ -5274,19 +5288,19 @@
           <a:lstStyle/>
           <a:p>
             <a:r>
-              <a:rPr lang="th-TH" sz="4400" dirty="0" smtClean="0"/>
+              <a:rPr lang="th-TH" sz="4400" dirty="0"/>
               <a:t>สัญลักษณ์ที่ใช้แทน </a:t>
             </a:r>
             <a:r>
-              <a:rPr lang="en-US" sz="4400" dirty="0" smtClean="0"/>
+              <a:rPr lang="en-US" sz="4400" dirty="0"/>
               <a:t>Class </a:t>
             </a:r>
             <a:r>
-              <a:rPr lang="th-TH" sz="4400" dirty="0" smtClean="0"/>
+              <a:rPr lang="th-TH" sz="4400" dirty="0"/>
               <a:t>และ </a:t>
             </a:r>
             <a:r>
-              <a:rPr lang="en-US" sz="4400" dirty="0" smtClean="0"/>
+              <a:rPr lang="en-US" sz="4400" dirty="0"/>
               <a:t>Relationship</a:t>
             </a:r>
             <a:endParaRPr lang="th-TH" sz="4400" dirty="0"/>
@@ -5335,7 +5349,7 @@
         </p:blipFill>
         <p:spPr bwMode="auto">
           <a:xfrm>
-            <a:off x="395536" y="1556792"/>
+            <a:off x="1919537" y="1556792"/>
             <a:ext cx="7310377" cy="3600400"/>
           </a:xfrm>
           <a:prstGeom prst="rect">
@@ -5422,7 +5436,7 @@
         </p:blipFill>
         <p:spPr bwMode="auto">
           <a:xfrm>
-            <a:off x="1829167" y="1784839"/>
+            <a:off x="3353167" y="1784839"/>
             <a:ext cx="5457090" cy="3897922"/>
           </a:xfrm>
           <a:prstGeom prst="rect">
@@ -5483,16 +5497,16 @@
         <p:spPr/>
         <p:txBody>
           <a:bodyPr>
-            <a:normAutofit fontScale="90000"/>
+            <a:normAutofit/>
           </a:bodyPr>
           <a:lstStyle/>
           <a:p>
             <a:r>
-              <a:rPr lang="th-TH" dirty="0" smtClean="0"/>
+              <a:rPr lang="th-TH" dirty="0"/>
               <a:t>หลักการในการสร้าง </a:t>
             </a:r>
             <a:r>
-              <a:rPr lang="en-US" dirty="0" smtClean="0"/>
+              <a:rPr lang="en-US" dirty="0"/>
               <a:t>Class Diagram</a:t>
             </a:r>
             <a:endParaRPr lang="th-TH" dirty="0"/>
@@ -5517,7 +5531,7 @@
           <a:lstStyle/>
           <a:p>
             <a:r>
-              <a:rPr lang="th-TH" dirty="0" smtClean="0">
+              <a:rPr lang="th-TH" dirty="0">
                 <a:solidFill>
                   <a:srgbClr val="3333CC"/>
                 </a:solidFill>
@@ -5525,7 +5539,7 @@
               <a:t>การจำลอง </a:t>
             </a:r>
             <a:r>
-              <a:rPr lang="en-US" dirty="0" smtClean="0">
+              <a:rPr lang="en-US" dirty="0">
                 <a:solidFill>
                   <a:srgbClr val="3333CC"/>
                 </a:solidFill>
@@ -5533,7 +5547,7 @@
               <a:t>Objects </a:t>
             </a:r>
             <a:r>
-              <a:rPr lang="th-TH" dirty="0" smtClean="0">
+              <a:rPr lang="th-TH" dirty="0">
                 <a:solidFill>
                   <a:srgbClr val="3333CC"/>
                 </a:solidFill>
@@ -5541,7 +5555,7 @@
               <a:t>ในโลกแห่งความเป็นจริง มาเป็นคลาสและ </a:t>
             </a:r>
             <a:r>
-              <a:rPr lang="en-US" dirty="0" smtClean="0">
+              <a:rPr lang="en-US" dirty="0">
                 <a:solidFill>
                   <a:srgbClr val="3333CC"/>
                 </a:solidFill>
@@ -5552,7 +5566,7 @@
           <a:p>
             <a:pPr lvl="1"/>
             <a:r>
-              <a:rPr lang="th-TH" dirty="0" smtClean="0">
+              <a:rPr lang="th-TH" dirty="0">
                 <a:solidFill>
                   <a:srgbClr val="3333CC"/>
                 </a:solidFill>
@@ -5563,7 +5577,7 @@
           <a:p>
             <a:pPr lvl="1"/>
             <a:r>
-              <a:rPr lang="th-TH" dirty="0" smtClean="0">
+              <a:rPr lang="th-TH" dirty="0">
                 <a:solidFill>
                   <a:srgbClr val="3333CC"/>
                 </a:solidFill>
@@ -5574,14 +5588,14 @@
           <a:p>
             <a:pPr lvl="1"/>
             <a:r>
-              <a:rPr lang="th-TH" dirty="0" smtClean="0">
+              <a:rPr lang="th-TH" dirty="0">
                 <a:solidFill>
                   <a:srgbClr val="3333CC"/>
                 </a:solidFill>
               </a:rPr>
               <a:t>ไม่มากเกินความจำเป็น</a:t>
             </a:r>
-            <a:endParaRPr lang="en-US" dirty="0" smtClean="0">
+            <a:endParaRPr lang="en-US" dirty="0">
               <a:solidFill>
                 <a:srgbClr val="3333CC"/>
               </a:solidFill>
@@ -5630,16 +5644,16 @@
         <p:spPr/>
         <p:txBody>
           <a:bodyPr>
-            <a:normAutofit fontScale="90000"/>
+            <a:normAutofit/>
           </a:bodyPr>
           <a:lstStyle/>
           <a:p>
             <a:r>
-              <a:rPr lang="th-TH" dirty="0" smtClean="0"/>
+              <a:rPr lang="th-TH" dirty="0"/>
               <a:t>หลักการในการสร้าง </a:t>
             </a:r>
             <a:r>
-              <a:rPr lang="en-US" dirty="0" smtClean="0"/>
+              <a:rPr lang="en-US" dirty="0"/>
               <a:t>Class Diagram</a:t>
             </a:r>
             <a:endParaRPr lang="th-TH" dirty="0"/>
@@ -5664,22 +5678,22 @@
           <a:lstStyle/>
           <a:p>
             <a:r>
-              <a:rPr lang="th-TH" dirty="0" smtClean="0"/>
+              <a:rPr lang="th-TH" dirty="0"/>
               <a:t>กำหนดกรอบของ </a:t>
             </a:r>
             <a:r>
-              <a:rPr lang="en-US" dirty="0" smtClean="0"/>
+              <a:rPr lang="en-US" dirty="0"/>
               <a:t>Problem Domain </a:t>
             </a:r>
             <a:r>
-              <a:rPr lang="th-TH" dirty="0" smtClean="0"/>
+              <a:rPr lang="th-TH" dirty="0"/>
               <a:t>ให้ชัดเจน</a:t>
             </a:r>
           </a:p>
           <a:p>
             <a:pPr lvl="1"/>
             <a:r>
-              <a:rPr lang="th-TH" dirty="0" smtClean="0">
+              <a:rPr lang="th-TH" dirty="0">
                 <a:solidFill>
                   <a:srgbClr val="3333CC"/>
                 </a:solidFill>
@@ -5687,7 +5701,7 @@
               <a:t>เขียน </a:t>
             </a:r>
             <a:r>
-              <a:rPr lang="en-US" dirty="0" smtClean="0">
+              <a:rPr lang="en-US" dirty="0">
                 <a:solidFill>
                   <a:srgbClr val="3333CC"/>
                 </a:solidFill>
@@ -5695,7 +5709,7 @@
               <a:t>use case diagram </a:t>
             </a:r>
             <a:r>
-              <a:rPr lang="th-TH" dirty="0" smtClean="0">
+              <a:rPr lang="th-TH" dirty="0">
                 <a:solidFill>
                   <a:srgbClr val="3333CC"/>
                 </a:solidFill>
@@ -5703,7 +5717,7 @@
               <a:t>ของ p</a:t>
             </a:r>
             <a:r>
-              <a:rPr lang="en-US" dirty="0" err="1" smtClean="0">
+              <a:rPr lang="en-US" dirty="0" err="1">
                 <a:solidFill>
                   <a:srgbClr val="3333CC"/>
                 </a:solidFill>
@@ -5711,7 +5725,7 @@
               <a:t>roblem</a:t>
             </a:r>
             <a:r>
-              <a:rPr lang="en-US" dirty="0" smtClean="0">
+              <a:rPr lang="en-US" dirty="0">
                 <a:solidFill>
                   <a:srgbClr val="3333CC"/>
                 </a:solidFill>
@@ -5719,7 +5733,7 @@
               <a:t> domain </a:t>
             </a:r>
             <a:r>
-              <a:rPr lang="th-TH" dirty="0" smtClean="0">
+              <a:rPr lang="th-TH" dirty="0">
                 <a:solidFill>
                   <a:srgbClr val="3333CC"/>
                 </a:solidFill>
@@ -5730,7 +5744,7 @@
           <a:p>
             <a:pPr lvl="1"/>
             <a:r>
-              <a:rPr lang="th-TH" dirty="0" smtClean="0">
+              <a:rPr lang="th-TH" dirty="0">
                 <a:solidFill>
                   <a:srgbClr val="3333CC"/>
                 </a:solidFill>
@@ -5738,7 +5752,7 @@
               <a:t>พิจารณาว่าในแต่ละ u</a:t>
             </a:r>
             <a:r>
-              <a:rPr lang="en-US" dirty="0" smtClean="0">
+              <a:rPr lang="en-US" dirty="0">
                 <a:solidFill>
                   <a:srgbClr val="3333CC"/>
                 </a:solidFill>
@@ -5746,7 +5760,7 @@
               <a:t>se case </a:t>
             </a:r>
             <a:r>
-              <a:rPr lang="th-TH" dirty="0" smtClean="0">
+              <a:rPr lang="th-TH" dirty="0">
                 <a:solidFill>
                   <a:srgbClr val="3333CC"/>
                 </a:solidFill>
@@ -5754,7 +5768,7 @@
               <a:t>มี </a:t>
             </a:r>
             <a:r>
-              <a:rPr lang="en-US" dirty="0" smtClean="0">
+              <a:rPr lang="en-US" dirty="0">
                 <a:solidFill>
                   <a:srgbClr val="3333CC"/>
                 </a:solidFill>
@@ -5762,7 +5776,7 @@
               <a:t>object </a:t>
             </a:r>
             <a:r>
-              <a:rPr lang="th-TH" dirty="0" smtClean="0">
+              <a:rPr lang="th-TH" dirty="0">
                 <a:solidFill>
                   <a:srgbClr val="3333CC"/>
                 </a:solidFill>
@@ -5773,7 +5787,7 @@
           <a:p>
             <a:pPr lvl="1"/>
             <a:r>
-              <a:rPr lang="th-TH" dirty="0" smtClean="0">
+              <a:rPr lang="th-TH" dirty="0">
                 <a:solidFill>
                   <a:srgbClr val="3333CC"/>
                 </a:solidFill>
@@ -5781,21 +5795,21 @@
               <a:t>ทำให้ครบทุก </a:t>
             </a:r>
             <a:r>
-              <a:rPr lang="en-US" dirty="0" smtClean="0">
+              <a:rPr lang="en-US" dirty="0">
                 <a:solidFill>
                   <a:srgbClr val="3333CC"/>
                 </a:solidFill>
               </a:rPr>
               <a:t>use case</a:t>
             </a:r>
-            <a:endParaRPr lang="th-TH" dirty="0" smtClean="0">
+            <a:endParaRPr lang="th-TH" dirty="0">
               <a:solidFill>
                 <a:srgbClr val="3333CC"/>
               </a:solidFill>
             </a:endParaRPr>
           </a:p>
           <a:p>
-            <a:endParaRPr lang="en-US" dirty="0" smtClean="0">
+            <a:endParaRPr lang="en-US" dirty="0">
               <a:solidFill>
                 <a:srgbClr val="3333CC"/>
               </a:solidFill>
@@ -5849,11 +5863,11 @@
           <a:lstStyle/>
           <a:p>
             <a:r>
-              <a:rPr lang="th-TH" sz="4800" dirty="0" smtClean="0"/>
+              <a:rPr lang="th-TH" sz="4800" dirty="0"/>
               <a:t>หลักการในการสร้าง </a:t>
             </a:r>
             <a:r>
-              <a:rPr lang="en-US" sz="4800" dirty="0" smtClean="0"/>
+              <a:rPr lang="en-US" sz="4800" dirty="0"/>
               <a:t>Class Diagram…</a:t>
             </a:r>
             <a:endParaRPr lang="th-TH" sz="4800" dirty="0"/>
@@ -5876,22 +5890,22 @@
           <a:lstStyle/>
           <a:p>
             <a:r>
-              <a:rPr lang="th-TH" dirty="0" smtClean="0"/>
+              <a:rPr lang="th-TH" dirty="0"/>
               <a:t>พิจารณาหา </a:t>
             </a:r>
             <a:r>
-              <a:rPr lang="en-US" dirty="0" smtClean="0"/>
+              <a:rPr lang="en-US" dirty="0"/>
               <a:t>Tangible objects </a:t>
             </a:r>
             <a:r>
-              <a:rPr lang="th-TH" dirty="0" smtClean="0"/>
+              <a:rPr lang="th-TH" dirty="0"/>
               <a:t>ให้ครบทุกตัว</a:t>
             </a:r>
           </a:p>
           <a:p>
             <a:pPr lvl="1"/>
             <a:r>
-              <a:rPr lang="en-US" dirty="0" err="1" smtClean="0">
+              <a:rPr lang="en-US" dirty="0" err="1">
                 <a:solidFill>
                   <a:srgbClr val="3333CC"/>
                 </a:solidFill>
@@ -5899,7 +5913,7 @@
               <a:t>ในกรณีที่มีหลายตัวใน</a:t>
             </a:r>
             <a:r>
-              <a:rPr lang="en-US" dirty="0" smtClean="0">
+              <a:rPr lang="en-US" dirty="0">
                 <a:solidFill>
                   <a:srgbClr val="3333CC"/>
                 </a:solidFill>
@@ -5907,7 +5921,7 @@
               <a:t> problem domain </a:t>
             </a:r>
             <a:r>
-              <a:rPr lang="th-TH" dirty="0" smtClean="0">
+              <a:rPr lang="th-TH" dirty="0">
                 <a:solidFill>
                   <a:srgbClr val="3333CC"/>
                 </a:solidFill>
@@ -5915,7 +5929,7 @@
               <a:t>เดียวกัน ให้หาตัวแทน </a:t>
             </a:r>
             <a:r>
-              <a:rPr lang="en-US" dirty="0" smtClean="0">
+              <a:rPr lang="en-US" dirty="0">
                 <a:solidFill>
                   <a:srgbClr val="3333CC"/>
                 </a:solidFill>
@@ -5923,41 +5937,41 @@
               <a:t>object </a:t>
             </a:r>
             <a:r>
-              <a:rPr lang="th-TH" dirty="0" smtClean="0">
+              <a:rPr lang="th-TH" dirty="0">
                 <a:solidFill>
                   <a:srgbClr val="3333CC"/>
                 </a:solidFill>
               </a:rPr>
               <a:t>นั้น</a:t>
             </a:r>
-            <a:endParaRPr lang="en-US" dirty="0" smtClean="0"/>
-          </a:p>
-          <a:p>
-            <a:r>
-              <a:rPr lang="th-TH" dirty="0" smtClean="0"/>
+            <a:endParaRPr lang="en-US" dirty="0"/>
+          </a:p>
+          <a:p>
+            <a:r>
+              <a:rPr lang="th-TH" dirty="0"/>
               <a:t>พิจารณาหา </a:t>
             </a:r>
             <a:r>
-              <a:rPr lang="th-TH" dirty="0" err="1" smtClean="0"/>
+              <a:rPr lang="th-TH" dirty="0" err="1"/>
               <a:t>Intangible</a:t>
             </a:r>
             <a:r>
-              <a:rPr lang="th-TH" dirty="0" smtClean="0"/>
+              <a:rPr lang="th-TH" dirty="0"/>
               <a:t> </a:t>
             </a:r>
             <a:r>
-              <a:rPr lang="en-US" dirty="0" smtClean="0"/>
+              <a:rPr lang="en-US" dirty="0"/>
               <a:t>objects </a:t>
             </a:r>
             <a:r>
-              <a:rPr lang="th-TH" dirty="0" smtClean="0"/>
+              <a:rPr lang="th-TH" dirty="0"/>
               <a:t>ให้ครบทุกตัว</a:t>
             </a:r>
           </a:p>
           <a:p>
             <a:pPr lvl="1"/>
             <a:r>
-              <a:rPr lang="en-US" dirty="0" err="1" smtClean="0">
+              <a:rPr lang="en-US" dirty="0" err="1">
                 <a:solidFill>
                   <a:srgbClr val="3333CC"/>
                 </a:solidFill>
@@ -5965,7 +5979,7 @@
               <a:t>ในกรณีที่มีหลายตัวใน</a:t>
             </a:r>
             <a:r>
-              <a:rPr lang="en-US" dirty="0" smtClean="0">
+              <a:rPr lang="en-US" dirty="0">
                 <a:solidFill>
                   <a:srgbClr val="3333CC"/>
                 </a:solidFill>
@@ -5973,7 +5987,7 @@
               <a:t> problem domain </a:t>
             </a:r>
             <a:r>
-              <a:rPr lang="th-TH" dirty="0" smtClean="0">
+              <a:rPr lang="th-TH" dirty="0">
                 <a:solidFill>
                   <a:srgbClr val="3333CC"/>
                 </a:solidFill>
@@ -5981,7 +5995,7 @@
               <a:t>เดียวกัน ให้หาตัวแทน </a:t>
             </a:r>
             <a:r>
-              <a:rPr lang="en-US" dirty="0" smtClean="0">
+              <a:rPr lang="en-US" dirty="0">
                 <a:solidFill>
                   <a:srgbClr val="3333CC"/>
                 </a:solidFill>
@@ -5989,7 +6003,7 @@
               <a:t>object </a:t>
             </a:r>
             <a:r>
-              <a:rPr lang="th-TH" dirty="0" smtClean="0">
+              <a:rPr lang="th-TH" dirty="0">
                 <a:solidFill>
                   <a:srgbClr val="3333CC"/>
                 </a:solidFill>
@@ -6043,11 +6057,11 @@
           <a:lstStyle/>
           <a:p>
             <a:r>
-              <a:rPr lang="th-TH" sz="4800" dirty="0" smtClean="0"/>
+              <a:rPr lang="th-TH" sz="4800" dirty="0"/>
               <a:t>หลักการในการสร้าง </a:t>
             </a:r>
             <a:r>
-              <a:rPr lang="en-US" sz="4800" dirty="0" smtClean="0"/>
+              <a:rPr lang="en-US" sz="4800" dirty="0"/>
               <a:t>Class Diagram…</a:t>
             </a:r>
             <a:endParaRPr lang="th-TH" sz="4800" dirty="0"/>
@@ -6070,38 +6084,38 @@
           <a:lstStyle/>
           <a:p>
             <a:r>
-              <a:rPr lang="th-TH" dirty="0" smtClean="0"/>
+              <a:rPr lang="th-TH" dirty="0"/>
               <a:t>ใช้ </a:t>
             </a:r>
             <a:r>
-              <a:rPr lang="en-US" dirty="0" smtClean="0"/>
+              <a:rPr lang="en-US" dirty="0"/>
               <a:t>Classification Abstraction </a:t>
             </a:r>
             <a:r>
-              <a:rPr lang="th-TH" dirty="0" smtClean="0"/>
+              <a:rPr lang="th-TH" dirty="0"/>
               <a:t>เพื่อแยกแยะและสร้าง </a:t>
             </a:r>
             <a:r>
-              <a:rPr lang="en-US" dirty="0" smtClean="0"/>
+              <a:rPr lang="en-US" dirty="0"/>
               <a:t>class </a:t>
             </a:r>
             <a:r>
-              <a:rPr lang="th-TH" dirty="0" smtClean="0"/>
+              <a:rPr lang="th-TH" dirty="0"/>
               <a:t>จาก </a:t>
             </a:r>
             <a:r>
-              <a:rPr lang="en-US" dirty="0" smtClean="0"/>
+              <a:rPr lang="en-US" dirty="0"/>
               <a:t>object </a:t>
             </a:r>
             <a:r>
-              <a:rPr lang="th-TH" dirty="0" smtClean="0"/>
+              <a:rPr lang="th-TH" dirty="0"/>
               <a:t>ที่มีอยู่ </a:t>
             </a:r>
           </a:p>
           <a:p>
             <a:pPr lvl="1"/>
             <a:r>
-              <a:rPr lang="th-TH" dirty="0" smtClean="0">
+              <a:rPr lang="th-TH" dirty="0">
                 <a:solidFill>
                   <a:srgbClr val="3333CC"/>
                 </a:solidFill>
@@ -6109,7 +6123,7 @@
               <a:t>หา </a:t>
             </a:r>
             <a:r>
-              <a:rPr lang="en-US" dirty="0" smtClean="0">
+              <a:rPr lang="en-US" dirty="0">
                 <a:solidFill>
                   <a:srgbClr val="3333CC"/>
                 </a:solidFill>
@@ -6117,7 +6131,7 @@
               <a:t>attributes </a:t>
             </a:r>
             <a:r>
-              <a:rPr lang="th-TH" dirty="0" smtClean="0">
+              <a:rPr lang="th-TH" dirty="0">
                 <a:solidFill>
                   <a:srgbClr val="3333CC"/>
                 </a:solidFill>
@@ -6125,7 +6139,7 @@
               <a:t>และ </a:t>
             </a:r>
             <a:r>
-              <a:rPr lang="en-US" dirty="0" smtClean="0">
+              <a:rPr lang="en-US" dirty="0">
                 <a:solidFill>
                   <a:srgbClr val="3333CC"/>
                 </a:solidFill>
@@ -6133,7 +6147,7 @@
               <a:t>functions </a:t>
             </a:r>
             <a:r>
-              <a:rPr lang="th-TH" dirty="0" smtClean="0">
+              <a:rPr lang="th-TH" dirty="0">
                 <a:solidFill>
                   <a:srgbClr val="3333CC"/>
                 </a:solidFill>
@@ -6141,7 +6155,7 @@
               <a:t>ที่มีอยู่ใน </a:t>
             </a:r>
             <a:r>
-              <a:rPr lang="en-US" dirty="0" smtClean="0">
+              <a:rPr lang="en-US" dirty="0">
                 <a:solidFill>
                   <a:srgbClr val="3333CC"/>
                 </a:solidFill>
@@ -6149,7 +6163,7 @@
               <a:t>class </a:t>
             </a:r>
             <a:r>
-              <a:rPr lang="th-TH" dirty="0" smtClean="0">
+              <a:rPr lang="th-TH" dirty="0">
                 <a:solidFill>
                   <a:srgbClr val="3333CC"/>
                 </a:solidFill>
@@ -6160,7 +6174,7 @@
           <a:p>
             <a:pPr lvl="1"/>
             <a:r>
-              <a:rPr lang="th-TH" dirty="0" smtClean="0">
+              <a:rPr lang="th-TH" dirty="0">
                 <a:solidFill>
                   <a:srgbClr val="3333CC"/>
                 </a:solidFill>
@@ -6168,7 +6182,7 @@
               <a:t>วาด </a:t>
             </a:r>
             <a:r>
-              <a:rPr lang="en-US" dirty="0" smtClean="0">
+              <a:rPr lang="en-US" dirty="0">
                 <a:solidFill>
                   <a:srgbClr val="3333CC"/>
                 </a:solidFill>
@@ -6176,7 +6190,7 @@
               <a:t>class </a:t>
             </a:r>
             <a:r>
-              <a:rPr lang="th-TH" dirty="0" smtClean="0">
+              <a:rPr lang="th-TH" dirty="0">
                 <a:solidFill>
                   <a:srgbClr val="3333CC"/>
                 </a:solidFill>
@@ -6184,7 +6198,7 @@
               <a:t>ที่ได้ลงใน </a:t>
             </a:r>
             <a:r>
-              <a:rPr lang="en-US" dirty="0" smtClean="0">
+              <a:rPr lang="en-US" dirty="0">
                 <a:solidFill>
                   <a:srgbClr val="3333CC"/>
                 </a:solidFill>
@@ -6236,10 +6250,9 @@
           <a:lstStyle/>
           <a:p>
             <a:r>
-              <a:rPr lang="th-TH" dirty="0" smtClean="0"/>
+              <a:rPr lang="th-TH" dirty="0"/>
               <a:t>เรื่องที่จะศึกษา</a:t>
             </a:r>
-            <a:endParaRPr lang="th-TH" dirty="0"/>
           </a:p>
         </p:txBody>
       </p:sp>
@@ -6259,33 +6272,33 @@
           <a:lstStyle/>
           <a:p>
             <a:r>
-              <a:rPr lang="en-US" dirty="0" smtClean="0"/>
+              <a:rPr lang="en-US" dirty="0"/>
               <a:t>Class</a:t>
             </a:r>
           </a:p>
           <a:p>
             <a:r>
-              <a:rPr lang="en-US" dirty="0" smtClean="0"/>
+              <a:rPr lang="en-US" dirty="0"/>
               <a:t>Relationship</a:t>
             </a:r>
           </a:p>
           <a:p>
             <a:r>
-              <a:rPr lang="th-TH" dirty="0" smtClean="0"/>
+              <a:rPr lang="th-TH" dirty="0"/>
               <a:t>สัญลักษณ์ที่ใช้ใน </a:t>
             </a:r>
             <a:r>
-              <a:rPr lang="en-US" dirty="0" smtClean="0"/>
+              <a:rPr lang="en-US" dirty="0"/>
               <a:t>class diagram</a:t>
             </a:r>
           </a:p>
           <a:p>
             <a:r>
-              <a:rPr lang="th-TH" dirty="0" smtClean="0"/>
+              <a:rPr lang="th-TH" dirty="0"/>
               <a:t>หลักการสร้าง </a:t>
             </a:r>
             <a:r>
-              <a:rPr lang="en-US" dirty="0" smtClean="0"/>
+              <a:rPr lang="en-US" dirty="0"/>
               <a:t>class diagram</a:t>
             </a:r>
             <a:endParaRPr lang="th-TH" dirty="0"/>
@@ -6297,13 +6310,6 @@
   <p:clrMapOvr>
     <a:masterClrMapping/>
   </p:clrMapOvr>
-  <p:timing>
-    <p:tnLst>
-      <p:par>
-        <p:cTn id="1" dur="indefinite" restart="never" nodeType="tmRoot"/>
-      </p:par>
-    </p:tnLst>
-  </p:timing>
 </p:sld>
 </file>
 
@@ -6342,11 +6348,11 @@
           <a:lstStyle/>
           <a:p>
             <a:r>
-              <a:rPr lang="th-TH" sz="4800" dirty="0" smtClean="0"/>
+              <a:rPr lang="th-TH" sz="4800" dirty="0"/>
               <a:t>หลักการในการสร้าง </a:t>
             </a:r>
             <a:r>
-              <a:rPr lang="en-US" sz="4800" dirty="0" smtClean="0"/>
+              <a:rPr lang="en-US" sz="4800" dirty="0"/>
               <a:t>Class Diagram…</a:t>
             </a:r>
             <a:endParaRPr lang="th-TH" sz="4800" dirty="0"/>
@@ -6369,42 +6375,42 @@
           <a:lstStyle/>
           <a:p>
             <a:r>
-              <a:rPr lang="th-TH" dirty="0" smtClean="0"/>
+              <a:rPr lang="th-TH" dirty="0"/>
               <a:t>หา A</a:t>
             </a:r>
             <a:r>
-              <a:rPr lang="en-US" dirty="0" err="1" smtClean="0"/>
+              <a:rPr lang="en-US" dirty="0" err="1"/>
               <a:t>ggregation</a:t>
             </a:r>
             <a:r>
-              <a:rPr lang="en-US" dirty="0" smtClean="0"/>
+              <a:rPr lang="en-US" dirty="0"/>
               <a:t> Abstraction </a:t>
             </a:r>
             <a:r>
-              <a:rPr lang="th-TH" dirty="0" smtClean="0"/>
+              <a:rPr lang="th-TH" dirty="0"/>
               <a:t>โดยพิจารณา </a:t>
             </a:r>
             <a:r>
-              <a:rPr lang="en-US" dirty="0" smtClean="0"/>
+              <a:rPr lang="en-US" dirty="0"/>
               <a:t>class </a:t>
             </a:r>
             <a:r>
-              <a:rPr lang="th-TH" dirty="0" smtClean="0"/>
+              <a:rPr lang="th-TH" dirty="0"/>
               <a:t>ที่มีความสัมพันธ์แบบเป็นส่วนหนึ่งหรือประกอบด้วยกับ </a:t>
             </a:r>
             <a:r>
-              <a:rPr lang="en-US" dirty="0" smtClean="0"/>
+              <a:rPr lang="en-US" dirty="0"/>
               <a:t>class </a:t>
             </a:r>
             <a:r>
-              <a:rPr lang="th-TH" dirty="0" smtClean="0"/>
+              <a:rPr lang="th-TH" dirty="0"/>
               <a:t>อื่น ๆ</a:t>
             </a:r>
           </a:p>
           <a:p>
             <a:pPr lvl="1"/>
             <a:r>
-              <a:rPr lang="th-TH" dirty="0" smtClean="0">
+              <a:rPr lang="th-TH" dirty="0">
                 <a:solidFill>
                   <a:srgbClr val="3333CC"/>
                 </a:solidFill>
@@ -6412,7 +6418,7 @@
               <a:t>ระบุชนิด </a:t>
             </a:r>
             <a:r>
-              <a:rPr lang="en-US" dirty="0" smtClean="0">
+              <a:rPr lang="en-US" dirty="0">
                 <a:solidFill>
                   <a:srgbClr val="3333CC"/>
                 </a:solidFill>
@@ -6420,14 +6426,14 @@
               <a:t>aggregation </a:t>
             </a:r>
             <a:r>
-              <a:rPr lang="th-TH" dirty="0" smtClean="0">
+              <a:rPr lang="th-TH" dirty="0">
                 <a:solidFill>
                   <a:srgbClr val="3333CC"/>
                 </a:solidFill>
               </a:rPr>
               <a:t>ได้แก่</a:t>
             </a:r>
-            <a:endParaRPr lang="en-US" dirty="0" smtClean="0">
+            <a:endParaRPr lang="en-US" dirty="0">
               <a:solidFill>
                 <a:srgbClr val="3333CC"/>
               </a:solidFill>
@@ -6436,7 +6442,7 @@
           <a:p>
             <a:pPr lvl="2"/>
             <a:r>
-              <a:rPr lang="en-US" dirty="0" smtClean="0">
+              <a:rPr lang="en-US" dirty="0">
                 <a:solidFill>
                   <a:srgbClr val="CC0000"/>
                 </a:solidFill>
@@ -6444,7 +6450,7 @@
               <a:t>One to One </a:t>
             </a:r>
             <a:r>
-              <a:rPr lang="th-TH" dirty="0" smtClean="0">
+              <a:rPr lang="th-TH" dirty="0">
                 <a:solidFill>
                   <a:srgbClr val="CC0000"/>
                 </a:solidFill>
@@ -6455,7 +6461,7 @@
           <a:p>
             <a:pPr lvl="2"/>
             <a:r>
-              <a:rPr lang="en-US" dirty="0" smtClean="0">
+              <a:rPr lang="en-US" dirty="0">
                 <a:solidFill>
                   <a:srgbClr val="CC0000"/>
                 </a:solidFill>
@@ -6466,7 +6472,7 @@
           <a:p>
             <a:pPr lvl="1"/>
             <a:r>
-              <a:rPr lang="th-TH" dirty="0" smtClean="0">
+              <a:rPr lang="th-TH" dirty="0">
                 <a:solidFill>
                   <a:srgbClr val="3333CC"/>
                 </a:solidFill>
@@ -6474,7 +6480,7 @@
               <a:t>ใส่ </a:t>
             </a:r>
             <a:r>
-              <a:rPr lang="en-US" dirty="0" smtClean="0">
+              <a:rPr lang="en-US" dirty="0">
                 <a:solidFill>
                   <a:srgbClr val="3333CC"/>
                 </a:solidFill>
@@ -6482,7 +6488,7 @@
               <a:t>Cardinality </a:t>
             </a:r>
             <a:r>
-              <a:rPr lang="th-TH" dirty="0" smtClean="0">
+              <a:rPr lang="th-TH" dirty="0">
                 <a:solidFill>
                   <a:srgbClr val="3333CC"/>
                 </a:solidFill>
@@ -6536,11 +6542,11 @@
           <a:lstStyle/>
           <a:p>
             <a:r>
-              <a:rPr lang="th-TH" sz="4800" dirty="0" smtClean="0"/>
+              <a:rPr lang="th-TH" sz="4800" dirty="0"/>
               <a:t>หลักการในการสร้าง </a:t>
             </a:r>
             <a:r>
-              <a:rPr lang="en-US" sz="4800" dirty="0" smtClean="0"/>
+              <a:rPr lang="en-US" sz="4800" dirty="0"/>
               <a:t>Class Diagram…</a:t>
             </a:r>
             <a:endParaRPr lang="th-TH" sz="4800" dirty="0"/>
@@ -6563,34 +6569,34 @@
           <a:lstStyle/>
           <a:p>
             <a:r>
-              <a:rPr lang="th-TH" dirty="0" smtClean="0"/>
+              <a:rPr lang="th-TH" dirty="0"/>
               <a:t>ใช้ </a:t>
             </a:r>
             <a:r>
-              <a:rPr lang="en-US" dirty="0" smtClean="0"/>
+              <a:rPr lang="en-US" dirty="0"/>
               <a:t>Generalization </a:t>
             </a:r>
             <a:r>
-              <a:rPr lang="th-TH" dirty="0" smtClean="0"/>
+              <a:rPr lang="th-TH" dirty="0"/>
               <a:t>มาพิจารณา </a:t>
             </a:r>
             <a:r>
-              <a:rPr lang="en-US" dirty="0" smtClean="0"/>
+              <a:rPr lang="en-US" dirty="0"/>
               <a:t>class </a:t>
             </a:r>
             <a:r>
-              <a:rPr lang="th-TH" dirty="0" smtClean="0"/>
+              <a:rPr lang="th-TH" dirty="0"/>
               <a:t>ต่าง ๆ ใน</a:t>
             </a:r>
             <a:r>
-              <a:rPr lang="en-US" dirty="0" smtClean="0"/>
+              <a:rPr lang="en-US" dirty="0"/>
               <a:t> class diagram</a:t>
             </a:r>
           </a:p>
           <a:p>
             <a:pPr lvl="1"/>
             <a:r>
-              <a:rPr lang="th-TH" dirty="0" smtClean="0">
+              <a:rPr lang="th-TH" dirty="0">
                 <a:solidFill>
                   <a:srgbClr val="3333CC"/>
                 </a:solidFill>
@@ -6598,7 +6604,7 @@
               <a:t>หากมีความสัมพันธ์แบบ </a:t>
             </a:r>
             <a:r>
-              <a:rPr lang="en-US" dirty="0" smtClean="0">
+              <a:rPr lang="en-US" dirty="0">
                 <a:solidFill>
                   <a:srgbClr val="3333CC"/>
                 </a:solidFill>
@@ -6606,7 +6612,7 @@
               <a:t>generalization </a:t>
             </a:r>
             <a:r>
-              <a:rPr lang="th-TH" dirty="0" smtClean="0">
+              <a:rPr lang="th-TH" dirty="0">
                 <a:solidFill>
                   <a:srgbClr val="3333CC"/>
                 </a:solidFill>
@@ -6614,7 +6620,7 @@
               <a:t>หรือ s</a:t>
             </a:r>
             <a:r>
-              <a:rPr lang="en-US" dirty="0" err="1" smtClean="0">
+              <a:rPr lang="en-US" dirty="0" err="1">
                 <a:solidFill>
                   <a:srgbClr val="3333CC"/>
                 </a:solidFill>
@@ -6622,7 +6628,7 @@
               <a:t>pecialization</a:t>
             </a:r>
             <a:r>
-              <a:rPr lang="en-US" dirty="0" smtClean="0">
+              <a:rPr lang="en-US" dirty="0">
                 <a:solidFill>
                   <a:srgbClr val="3333CC"/>
                 </a:solidFill>
@@ -6630,7 +6636,7 @@
               <a:t> </a:t>
             </a:r>
             <a:r>
-              <a:rPr lang="en-US" dirty="0" err="1" smtClean="0">
+              <a:rPr lang="en-US" dirty="0" err="1">
                 <a:solidFill>
                   <a:srgbClr val="3333CC"/>
                 </a:solidFill>
@@ -6638,7 +6644,7 @@
               <a:t>ให้เพิ่มลงไปใน</a:t>
             </a:r>
             <a:r>
-              <a:rPr lang="en-US" dirty="0" smtClean="0">
+              <a:rPr lang="en-US" dirty="0">
                 <a:solidFill>
                   <a:srgbClr val="3333CC"/>
                 </a:solidFill>
@@ -6649,7 +6655,7 @@
           <a:p>
             <a:pPr lvl="1"/>
             <a:r>
-              <a:rPr lang="th-TH" dirty="0" smtClean="0">
+              <a:rPr lang="th-TH" dirty="0">
                 <a:solidFill>
                   <a:srgbClr val="3333CC"/>
                 </a:solidFill>
@@ -6657,7 +6663,7 @@
               <a:t>อาจมีการสร้าง </a:t>
             </a:r>
             <a:r>
-              <a:rPr lang="en-US" dirty="0" smtClean="0">
+              <a:rPr lang="en-US" dirty="0">
                 <a:solidFill>
                   <a:srgbClr val="3333CC"/>
                 </a:solidFill>
@@ -6665,7 +6671,7 @@
               <a:t>class </a:t>
             </a:r>
             <a:r>
-              <a:rPr lang="th-TH" dirty="0" smtClean="0">
+              <a:rPr lang="th-TH" dirty="0">
                 <a:solidFill>
                   <a:srgbClr val="3333CC"/>
                 </a:solidFill>
@@ -6673,7 +6679,7 @@
               <a:t>ใหม่เพื่อเป็น </a:t>
             </a:r>
             <a:r>
-              <a:rPr lang="en-US" dirty="0" smtClean="0">
+              <a:rPr lang="en-US" dirty="0">
                 <a:solidFill>
                   <a:srgbClr val="3333CC"/>
                 </a:solidFill>
@@ -6681,14 +6687,14 @@
               <a:t>generalized class </a:t>
             </a:r>
             <a:r>
-              <a:rPr lang="th-TH" dirty="0" smtClean="0">
+              <a:rPr lang="th-TH" dirty="0">
                 <a:solidFill>
                   <a:srgbClr val="3333CC"/>
                 </a:solidFill>
               </a:rPr>
               <a:t>ได้</a:t>
             </a:r>
-            <a:endParaRPr lang="th-TH" dirty="0" smtClean="0"/>
+            <a:endParaRPr lang="th-TH" dirty="0"/>
           </a:p>
           <a:p>
             <a:endParaRPr lang="th-TH" dirty="0"/>
@@ -6738,11 +6744,11 @@
           <a:lstStyle/>
           <a:p>
             <a:r>
-              <a:rPr lang="th-TH" sz="4800" dirty="0" smtClean="0"/>
+              <a:rPr lang="th-TH" sz="4800" dirty="0"/>
               <a:t>หลักการในการสร้าง </a:t>
             </a:r>
             <a:r>
-              <a:rPr lang="en-US" sz="4800" dirty="0" smtClean="0"/>
+              <a:rPr lang="en-US" sz="4800" dirty="0"/>
               <a:t>Class Diagram…</a:t>
             </a:r>
             <a:endParaRPr lang="th-TH" sz="4800" dirty="0"/>
@@ -6765,34 +6771,34 @@
           <a:lstStyle/>
           <a:p>
             <a:r>
-              <a:rPr lang="th-TH" dirty="0" smtClean="0"/>
+              <a:rPr lang="th-TH" dirty="0"/>
               <a:t>ใช้ </a:t>
             </a:r>
             <a:r>
-              <a:rPr lang="en-US" dirty="0" smtClean="0"/>
+              <a:rPr lang="en-US" dirty="0"/>
               <a:t>Association </a:t>
             </a:r>
             <a:r>
-              <a:rPr lang="th-TH" dirty="0" smtClean="0"/>
+              <a:rPr lang="th-TH" dirty="0"/>
               <a:t>มาพิจารณา </a:t>
             </a:r>
             <a:r>
-              <a:rPr lang="en-US" dirty="0" smtClean="0"/>
+              <a:rPr lang="en-US" dirty="0"/>
               <a:t>class </a:t>
             </a:r>
             <a:r>
-              <a:rPr lang="th-TH" dirty="0" smtClean="0"/>
+              <a:rPr lang="th-TH" dirty="0"/>
               <a:t>ต่าง ๆ ใน</a:t>
             </a:r>
             <a:r>
-              <a:rPr lang="en-US" dirty="0" smtClean="0"/>
+              <a:rPr lang="en-US" dirty="0"/>
               <a:t> class diagram</a:t>
             </a:r>
           </a:p>
           <a:p>
             <a:pPr lvl="1"/>
             <a:r>
-              <a:rPr lang="th-TH" dirty="0" smtClean="0">
+              <a:rPr lang="th-TH" dirty="0">
                 <a:solidFill>
                   <a:srgbClr val="3333CC"/>
                 </a:solidFill>
@@ -6800,7 +6806,7 @@
               <a:t>เพิ่มเติมสัญลักษณ์ของ </a:t>
             </a:r>
             <a:r>
-              <a:rPr lang="en-US" dirty="0" smtClean="0">
+              <a:rPr lang="en-US" dirty="0">
                 <a:solidFill>
                   <a:srgbClr val="3333CC"/>
                 </a:solidFill>
@@ -6808,7 +6814,7 @@
               <a:t>Association </a:t>
             </a:r>
             <a:r>
-              <a:rPr lang="th-TH" dirty="0" smtClean="0">
+              <a:rPr lang="th-TH" dirty="0">
                 <a:solidFill>
                   <a:srgbClr val="3333CC"/>
                 </a:solidFill>
@@ -6816,7 +6822,7 @@
               <a:t>ลงใน </a:t>
             </a:r>
             <a:r>
-              <a:rPr lang="en-US" dirty="0" smtClean="0">
+              <a:rPr lang="en-US" dirty="0">
                 <a:solidFill>
                   <a:srgbClr val="3333CC"/>
                 </a:solidFill>
@@ -6827,7 +6833,7 @@
           <a:p>
             <a:pPr lvl="1"/>
             <a:r>
-              <a:rPr lang="th-TH" dirty="0" smtClean="0">
+              <a:rPr lang="th-TH" dirty="0">
                 <a:solidFill>
                   <a:srgbClr val="3333CC"/>
                 </a:solidFill>
@@ -6835,7 +6841,7 @@
               <a:t>พิจารณาประเภทของความสัมพันธ์และ </a:t>
             </a:r>
             <a:r>
-              <a:rPr lang="en-US" dirty="0" smtClean="0">
+              <a:rPr lang="en-US" dirty="0">
                 <a:solidFill>
                   <a:srgbClr val="3333CC"/>
                 </a:solidFill>
@@ -6843,7 +6849,7 @@
               <a:t>Cardinality </a:t>
             </a:r>
             <a:r>
-              <a:rPr lang="th-TH" dirty="0" smtClean="0">
+              <a:rPr lang="th-TH" dirty="0">
                 <a:solidFill>
                   <a:srgbClr val="3333CC"/>
                 </a:solidFill>
@@ -6899,11 +6905,11 @@
           <a:lstStyle/>
           <a:p>
             <a:r>
-              <a:rPr lang="th-TH" sz="4800" dirty="0" smtClean="0"/>
+              <a:rPr lang="th-TH" sz="4800" dirty="0"/>
               <a:t>หลักการในการสร้าง </a:t>
             </a:r>
             <a:r>
-              <a:rPr lang="en-US" sz="4800" dirty="0" smtClean="0"/>
+              <a:rPr lang="en-US" sz="4800" dirty="0"/>
               <a:t>Class Diagram…</a:t>
             </a:r>
             <a:endParaRPr lang="th-TH" sz="4800" dirty="0"/>
@@ -6923,61 +6929,61 @@
         <p:spPr/>
         <p:txBody>
           <a:bodyPr>
-            <a:normAutofit lnSpcReduction="10000"/>
+            <a:normAutofit/>
           </a:bodyPr>
           <a:lstStyle/>
           <a:p>
             <a:r>
-              <a:rPr lang="th-TH" dirty="0" smtClean="0"/>
+              <a:rPr lang="th-TH" dirty="0"/>
               <a:t>พิจารณาว่าทุก </a:t>
             </a:r>
             <a:r>
-              <a:rPr lang="en-US" dirty="0" smtClean="0"/>
+              <a:rPr lang="en-US" dirty="0"/>
               <a:t>class </a:t>
             </a:r>
             <a:r>
-              <a:rPr lang="th-TH" dirty="0" smtClean="0"/>
+              <a:rPr lang="th-TH" dirty="0"/>
               <a:t>ควรมีความสัมพันธ์ </a:t>
             </a:r>
             <a:r>
-              <a:rPr lang="en-US" dirty="0" err="1" smtClean="0"/>
+              <a:rPr lang="en-US" dirty="0" err="1"/>
               <a:t>แบบใดแบบหนึ่งกับ</a:t>
             </a:r>
             <a:r>
-              <a:rPr lang="en-US" dirty="0" smtClean="0"/>
+              <a:rPr lang="en-US" dirty="0"/>
               <a:t> class </a:t>
             </a:r>
             <a:r>
-              <a:rPr lang="th-TH" dirty="0" smtClean="0"/>
+              <a:rPr lang="th-TH" dirty="0"/>
               <a:t>อื่น</a:t>
             </a:r>
           </a:p>
           <a:p>
             <a:r>
-              <a:rPr lang="th-TH" dirty="0" smtClean="0"/>
+              <a:rPr lang="th-TH" dirty="0"/>
               <a:t>หากพบ </a:t>
             </a:r>
             <a:r>
-              <a:rPr lang="en-US" dirty="0" smtClean="0"/>
+              <a:rPr lang="en-US" dirty="0"/>
               <a:t>class </a:t>
             </a:r>
             <a:r>
-              <a:rPr lang="th-TH" dirty="0" smtClean="0"/>
+              <a:rPr lang="th-TH" dirty="0"/>
               <a:t>ที่ยังไม่มีความสัมพันธ์กับ </a:t>
             </a:r>
             <a:r>
-              <a:rPr lang="en-US" dirty="0" smtClean="0"/>
+              <a:rPr lang="en-US" dirty="0"/>
               <a:t>class </a:t>
             </a:r>
             <a:r>
-              <a:rPr lang="th-TH" dirty="0" smtClean="0"/>
+              <a:rPr lang="th-TH" dirty="0"/>
               <a:t>อื่น อาจมีสาเหตุจาก</a:t>
             </a:r>
           </a:p>
           <a:p>
             <a:pPr lvl="1"/>
             <a:r>
-              <a:rPr lang="en-US" dirty="0" smtClean="0">
+              <a:rPr lang="en-US" dirty="0">
                 <a:solidFill>
                   <a:srgbClr val="3333CC"/>
                 </a:solidFill>
@@ -6985,7 +6991,7 @@
               <a:t>class </a:t>
             </a:r>
             <a:r>
-              <a:rPr lang="th-TH" dirty="0" smtClean="0">
+              <a:rPr lang="th-TH" dirty="0">
                 <a:solidFill>
                   <a:srgbClr val="3333CC"/>
                 </a:solidFill>
@@ -6993,7 +6999,7 @@
               <a:t>นั้นเป็น </a:t>
             </a:r>
             <a:r>
-              <a:rPr lang="en-US" dirty="0" smtClean="0">
+              <a:rPr lang="en-US" dirty="0">
                 <a:solidFill>
                   <a:srgbClr val="3333CC"/>
                 </a:solidFill>
@@ -7001,7 +7007,7 @@
               <a:t>class </a:t>
             </a:r>
             <a:r>
-              <a:rPr lang="th-TH" dirty="0" smtClean="0">
+              <a:rPr lang="th-TH" dirty="0">
                 <a:solidFill>
                   <a:srgbClr val="3333CC"/>
                 </a:solidFill>
@@ -7012,7 +7018,7 @@
           <a:p>
             <a:pPr lvl="1"/>
             <a:r>
-              <a:rPr lang="th-TH" dirty="0" smtClean="0">
+              <a:rPr lang="th-TH" dirty="0">
                 <a:solidFill>
                   <a:srgbClr val="3333CC"/>
                 </a:solidFill>
@@ -7020,7 +7026,7 @@
               <a:t>หรือต้องเพิ่มเติม </a:t>
             </a:r>
             <a:r>
-              <a:rPr lang="en-US" dirty="0" smtClean="0">
+              <a:rPr lang="en-US" dirty="0">
                 <a:solidFill>
                   <a:srgbClr val="3333CC"/>
                 </a:solidFill>
@@ -7028,7 +7034,7 @@
               <a:t>class </a:t>
             </a:r>
             <a:r>
-              <a:rPr lang="th-TH" dirty="0" smtClean="0">
+              <a:rPr lang="th-TH" dirty="0">
                 <a:solidFill>
                   <a:srgbClr val="3333CC"/>
                 </a:solidFill>
@@ -7036,7 +7042,7 @@
               <a:t>อื่นที่มีความสัมพันธ์กับ </a:t>
             </a:r>
             <a:r>
-              <a:rPr lang="en-US" dirty="0" smtClean="0">
+              <a:rPr lang="en-US" dirty="0">
                 <a:solidFill>
                   <a:srgbClr val="3333CC"/>
                 </a:solidFill>
@@ -7044,14 +7050,14 @@
               <a:t>class </a:t>
             </a:r>
             <a:r>
-              <a:rPr lang="th-TH" dirty="0" smtClean="0">
+              <a:rPr lang="th-TH" dirty="0">
                 <a:solidFill>
                   <a:srgbClr val="3333CC"/>
                 </a:solidFill>
               </a:rPr>
               <a:t>ดังกล่าวเข้าไป</a:t>
             </a:r>
-            <a:endParaRPr lang="th-TH" dirty="0" smtClean="0"/>
+            <a:endParaRPr lang="th-TH" dirty="0"/>
           </a:p>
           <a:p>
             <a:endParaRPr lang="th-TH" dirty="0"/>
@@ -7099,11 +7105,11 @@
           <a:lstStyle/>
           <a:p>
             <a:r>
-              <a:rPr lang="th-TH" dirty="0" smtClean="0"/>
+              <a:rPr lang="th-TH" dirty="0"/>
               <a:t>ตัวอย่างการสร้าง </a:t>
             </a:r>
             <a:r>
-              <a:rPr lang="en-US" dirty="0" smtClean="0"/>
+              <a:rPr lang="en-US" dirty="0"/>
               <a:t>Class Diagram</a:t>
             </a:r>
             <a:endParaRPr lang="th-TH" dirty="0"/>
@@ -7123,7 +7129,7 @@
         <p:spPr/>
         <p:txBody>
           <a:bodyPr>
-            <a:normAutofit fontScale="92500" lnSpcReduction="20000"/>
+            <a:normAutofit/>
           </a:bodyPr>
           <a:lstStyle/>
           <a:p>
@@ -7132,19 +7138,19 @@
               <a:buNone/>
             </a:pPr>
             <a:r>
-              <a:rPr lang="th-TH" dirty="0" err="1" smtClean="0"/>
+              <a:rPr lang="th-TH" dirty="0" err="1"/>
               <a:t>Problem</a:t>
             </a:r>
             <a:r>
-              <a:rPr lang="th-TH" dirty="0" smtClean="0"/>
+              <a:rPr lang="th-TH" dirty="0"/>
               <a:t> </a:t>
             </a:r>
             <a:r>
-              <a:rPr lang="th-TH" dirty="0" err="1" smtClean="0"/>
+              <a:rPr lang="th-TH" dirty="0" err="1"/>
               <a:t>Domain</a:t>
             </a:r>
             <a:r>
-              <a:rPr lang="th-TH" dirty="0" smtClean="0"/>
+              <a:rPr lang="th-TH" dirty="0"/>
               <a:t> ที่กำหนดคือ</a:t>
             </a:r>
           </a:p>
@@ -7154,11 +7160,11 @@
               <a:buNone/>
             </a:pPr>
             <a:r>
-              <a:rPr lang="th-TH" dirty="0" smtClean="0"/>
+              <a:rPr lang="th-TH" dirty="0"/>
               <a:t>		</a:t>
             </a:r>
             <a:r>
-              <a:rPr lang="en-US" dirty="0" smtClean="0">
+              <a:rPr lang="en-US" dirty="0">
                 <a:solidFill>
                   <a:srgbClr val="C00000"/>
                 </a:solidFill>
@@ -7166,7 +7172,7 @@
               <a:t>“</a:t>
             </a:r>
             <a:r>
-              <a:rPr lang="th-TH" dirty="0" smtClean="0">
+              <a:rPr lang="th-TH" dirty="0">
                 <a:solidFill>
                   <a:srgbClr val="C00000"/>
                 </a:solidFill>
@@ -7217,24 +7223,24 @@
         <p:spPr/>
         <p:txBody>
           <a:bodyPr>
-            <a:normAutofit fontScale="90000"/>
+            <a:normAutofit/>
           </a:bodyPr>
           <a:lstStyle/>
           <a:p>
             <a:r>
-              <a:rPr lang="th-TH" dirty="0" smtClean="0"/>
+              <a:rPr lang="th-TH" dirty="0"/>
               <a:t>หา </a:t>
             </a:r>
             <a:r>
-              <a:rPr lang="en-US" dirty="0" smtClean="0"/>
+              <a:rPr lang="en-US" dirty="0"/>
               <a:t>use case </a:t>
             </a:r>
             <a:r>
-              <a:rPr lang="th-TH" dirty="0" smtClean="0"/>
+              <a:rPr lang="th-TH" dirty="0"/>
               <a:t>จาก </a:t>
             </a:r>
             <a:r>
-              <a:rPr lang="en-US" dirty="0" smtClean="0"/>
+              <a:rPr lang="en-US" dirty="0"/>
               <a:t>problem domain</a:t>
             </a:r>
             <a:endParaRPr lang="th-TH" dirty="0"/>
@@ -7257,18 +7263,18 @@
           <a:lstStyle/>
           <a:p>
             <a:r>
-              <a:rPr lang="en-US" dirty="0" smtClean="0"/>
+              <a:rPr lang="en-US" dirty="0"/>
               <a:t>use case </a:t>
             </a:r>
             <a:r>
-              <a:rPr lang="th-TH" dirty="0" smtClean="0"/>
+              <a:rPr lang="th-TH" dirty="0"/>
               <a:t>ของระบบคือ</a:t>
             </a:r>
           </a:p>
           <a:p>
             <a:pPr lvl="1"/>
             <a:r>
-              <a:rPr lang="th-TH" dirty="0" smtClean="0">
+              <a:rPr lang="th-TH" dirty="0">
                 <a:solidFill>
                   <a:srgbClr val="3333CC"/>
                 </a:solidFill>
@@ -7279,7 +7285,7 @@
           <a:p>
             <a:pPr lvl="1"/>
             <a:r>
-              <a:rPr lang="th-TH" dirty="0" smtClean="0">
+              <a:rPr lang="th-TH" dirty="0">
                 <a:solidFill>
                   <a:srgbClr val="3333CC"/>
                 </a:solidFill>
@@ -7290,14 +7296,14 @@
           <a:p>
             <a:pPr lvl="1"/>
             <a:r>
-              <a:rPr lang="th-TH" dirty="0" smtClean="0">
+              <a:rPr lang="th-TH" dirty="0">
                 <a:solidFill>
                   <a:srgbClr val="3333CC"/>
                 </a:solidFill>
               </a:rPr>
               <a:t>การดูแลห้องทดลอง</a:t>
             </a:r>
-            <a:endParaRPr lang="th-TH" dirty="0" smtClean="0"/>
+            <a:endParaRPr lang="th-TH" dirty="0"/>
           </a:p>
           <a:p>
             <a:endParaRPr lang="th-TH" dirty="0"/>
@@ -7345,19 +7351,19 @@
           <a:lstStyle/>
           <a:p>
             <a:r>
-              <a:rPr lang="th-TH" dirty="0" smtClean="0"/>
+              <a:rPr lang="th-TH" dirty="0"/>
               <a:t>หา </a:t>
             </a:r>
             <a:r>
-              <a:rPr lang="en-US" dirty="0" smtClean="0"/>
+              <a:rPr lang="en-US" dirty="0"/>
               <a:t>object/class </a:t>
             </a:r>
             <a:r>
-              <a:rPr lang="th-TH" dirty="0" smtClean="0"/>
+              <a:rPr lang="th-TH" dirty="0"/>
               <a:t>จาก </a:t>
             </a:r>
             <a:r>
-              <a:rPr lang="en-US" dirty="0" smtClean="0"/>
+              <a:rPr lang="en-US" dirty="0"/>
               <a:t>use case</a:t>
             </a:r>
             <a:endParaRPr lang="th-TH" dirty="0"/>
@@ -7387,19 +7393,19 @@
               </a:lnSpc>
             </a:pPr>
             <a:r>
-              <a:rPr lang="th-TH" dirty="0" err="1" smtClean="0"/>
+              <a:rPr lang="th-TH" dirty="0" err="1"/>
               <a:t>use</a:t>
             </a:r>
             <a:r>
-              <a:rPr lang="th-TH" dirty="0" smtClean="0"/>
+              <a:rPr lang="th-TH" dirty="0"/>
               <a:t> </a:t>
             </a:r>
             <a:r>
-              <a:rPr lang="th-TH" dirty="0" err="1" smtClean="0"/>
+              <a:rPr lang="th-TH" dirty="0" err="1"/>
               <a:t>case</a:t>
             </a:r>
             <a:r>
-              <a:rPr lang="th-TH" dirty="0" smtClean="0"/>
+              <a:rPr lang="th-TH" dirty="0"/>
               <a:t> การเรียนการสอน</a:t>
             </a:r>
           </a:p>
@@ -7410,7 +7416,7 @@
               </a:lnSpc>
             </a:pPr>
             <a:r>
-              <a:rPr lang="th-TH" dirty="0" smtClean="0">
+              <a:rPr lang="th-TH" dirty="0">
                 <a:solidFill>
                   <a:srgbClr val="3333CC"/>
                 </a:solidFill>
@@ -7425,7 +7431,7 @@
               </a:lnSpc>
             </a:pPr>
             <a:r>
-              <a:rPr lang="th-TH" dirty="0" smtClean="0">
+              <a:rPr lang="th-TH" dirty="0">
                 <a:solidFill>
                   <a:srgbClr val="3333CC"/>
                 </a:solidFill>
@@ -7440,19 +7446,19 @@
               </a:lnSpc>
             </a:pPr>
             <a:r>
-              <a:rPr lang="th-TH" dirty="0" err="1" smtClean="0"/>
+              <a:rPr lang="th-TH" dirty="0" err="1"/>
               <a:t>use</a:t>
             </a:r>
             <a:r>
-              <a:rPr lang="th-TH" dirty="0" smtClean="0"/>
+              <a:rPr lang="th-TH" dirty="0"/>
               <a:t> </a:t>
             </a:r>
             <a:r>
-              <a:rPr lang="th-TH" dirty="0" err="1" smtClean="0"/>
+              <a:rPr lang="th-TH" dirty="0" err="1"/>
               <a:t>case</a:t>
             </a:r>
             <a:r>
-              <a:rPr lang="th-TH" dirty="0" smtClean="0"/>
+              <a:rPr lang="th-TH" dirty="0"/>
               <a:t> การใช้ห้องทดลอง</a:t>
             </a:r>
           </a:p>
@@ -7463,7 +7469,7 @@
               </a:lnSpc>
             </a:pPr>
             <a:r>
-              <a:rPr lang="th-TH" dirty="0" smtClean="0">
+              <a:rPr lang="th-TH" dirty="0">
                 <a:solidFill>
                   <a:srgbClr val="3333CC"/>
                 </a:solidFill>
@@ -7478,7 +7484,7 @@
               </a:lnSpc>
             </a:pPr>
             <a:r>
-              <a:rPr lang="th-TH" dirty="0" smtClean="0">
+              <a:rPr lang="th-TH" dirty="0">
                 <a:solidFill>
                   <a:srgbClr val="3333CC"/>
                 </a:solidFill>
@@ -7493,19 +7499,19 @@
               </a:lnSpc>
             </a:pPr>
             <a:r>
-              <a:rPr lang="th-TH" dirty="0" err="1" smtClean="0"/>
+              <a:rPr lang="th-TH" dirty="0" err="1"/>
               <a:t>use</a:t>
             </a:r>
             <a:r>
-              <a:rPr lang="th-TH" dirty="0" smtClean="0"/>
+              <a:rPr lang="th-TH" dirty="0"/>
               <a:t> </a:t>
             </a:r>
             <a:r>
-              <a:rPr lang="th-TH" dirty="0" err="1" smtClean="0"/>
+              <a:rPr lang="th-TH" dirty="0" err="1"/>
               <a:t>case</a:t>
             </a:r>
             <a:r>
-              <a:rPr lang="th-TH" dirty="0" smtClean="0"/>
+              <a:rPr lang="th-TH" dirty="0"/>
               <a:t> การดูแลห้องทดลอง</a:t>
             </a:r>
           </a:p>
@@ -7516,7 +7522,7 @@
               </a:lnSpc>
             </a:pPr>
             <a:r>
-              <a:rPr lang="th-TH" dirty="0" smtClean="0">
+              <a:rPr lang="th-TH" dirty="0">
                 <a:solidFill>
                   <a:srgbClr val="3333CC"/>
                 </a:solidFill>
@@ -7531,7 +7537,7 @@
               </a:lnSpc>
             </a:pPr>
             <a:r>
-              <a:rPr lang="th-TH" dirty="0" smtClean="0">
+              <a:rPr lang="th-TH" dirty="0">
                 <a:solidFill>
                   <a:srgbClr val="3333CC"/>
                 </a:solidFill>
@@ -7583,19 +7589,19 @@
           <a:lstStyle/>
           <a:p>
             <a:r>
-              <a:rPr lang="th-TH" dirty="0" smtClean="0"/>
+              <a:rPr lang="th-TH" dirty="0"/>
               <a:t>หา </a:t>
             </a:r>
             <a:r>
-              <a:rPr lang="en-US" dirty="0" smtClean="0"/>
+              <a:rPr lang="en-US" dirty="0"/>
               <a:t>actor </a:t>
             </a:r>
             <a:r>
-              <a:rPr lang="th-TH" dirty="0" smtClean="0"/>
+              <a:rPr lang="th-TH" dirty="0"/>
               <a:t>จาก </a:t>
             </a:r>
             <a:r>
-              <a:rPr lang="en-US" dirty="0" smtClean="0"/>
+              <a:rPr lang="en-US" dirty="0"/>
               <a:t>use case</a:t>
             </a:r>
             <a:endParaRPr lang="th-TH" dirty="0"/>
@@ -7623,27 +7629,27 @@
               </a:lnSpc>
             </a:pPr>
             <a:r>
-              <a:rPr lang="th-TH" dirty="0" smtClean="0"/>
+              <a:rPr lang="th-TH" dirty="0"/>
               <a:t>สรุป </a:t>
             </a:r>
             <a:r>
-              <a:rPr lang="th-TH" dirty="0" err="1" smtClean="0"/>
+              <a:rPr lang="th-TH" dirty="0" err="1"/>
               <a:t>actor</a:t>
             </a:r>
             <a:r>
-              <a:rPr lang="en-US" dirty="0" smtClean="0"/>
+              <a:rPr lang="en-US" dirty="0"/>
               <a:t>s</a:t>
             </a:r>
             <a:r>
-              <a:rPr lang="th-TH" dirty="0" smtClean="0"/>
+              <a:rPr lang="th-TH" dirty="0"/>
               <a:t> ที่มีจาก </a:t>
             </a:r>
             <a:r>
-              <a:rPr lang="en-US" dirty="0" smtClean="0"/>
+              <a:rPr lang="en-US" dirty="0"/>
               <a:t>use case</a:t>
             </a:r>
             <a:r>
-              <a:rPr lang="th-TH" dirty="0" smtClean="0"/>
+              <a:rPr lang="th-TH" dirty="0"/>
               <a:t> คือ</a:t>
             </a:r>
           </a:p>
@@ -7654,7 +7660,7 @@
               </a:lnSpc>
             </a:pPr>
             <a:r>
-              <a:rPr lang="th-TH" dirty="0" smtClean="0">
+              <a:rPr lang="th-TH" dirty="0">
                 <a:solidFill>
                   <a:srgbClr val="3333CC"/>
                 </a:solidFill>
@@ -7669,7 +7675,7 @@
               </a:lnSpc>
             </a:pPr>
             <a:r>
-              <a:rPr lang="th-TH" dirty="0" smtClean="0">
+              <a:rPr lang="th-TH" dirty="0">
                 <a:solidFill>
                   <a:srgbClr val="3333CC"/>
                 </a:solidFill>
@@ -7684,7 +7690,7 @@
               </a:lnSpc>
             </a:pPr>
             <a:r>
-              <a:rPr lang="th-TH" dirty="0" smtClean="0">
+              <a:rPr lang="th-TH" dirty="0">
                 <a:solidFill>
                   <a:srgbClr val="3333CC"/>
                 </a:solidFill>
@@ -7738,11 +7744,11 @@
           <a:lstStyle/>
           <a:p>
             <a:r>
-              <a:rPr lang="th-TH" dirty="0" smtClean="0"/>
+              <a:rPr lang="th-TH" dirty="0"/>
               <a:t>เขียน </a:t>
             </a:r>
             <a:r>
-              <a:rPr lang="en-US" dirty="0" smtClean="0"/>
+              <a:rPr lang="en-US" dirty="0"/>
               <a:t>Use Case Diagram</a:t>
             </a:r>
             <a:endParaRPr lang="th-TH" dirty="0"/>
@@ -7759,7 +7765,7 @@
         </p:nvGrpSpPr>
         <p:grpSpPr bwMode="auto">
           <a:xfrm>
-            <a:off x="428625" y="1447800"/>
+            <a:off x="1952626" y="1447800"/>
             <a:ext cx="8255233" cy="4572000"/>
             <a:chOff x="96" y="1392"/>
             <a:chExt cx="5613" cy="2016"/>
@@ -9199,14 +9205,13 @@
           <a:lstStyle/>
           <a:p>
             <a:r>
-              <a:rPr lang="en-US" dirty="0" smtClean="0"/>
+              <a:rPr lang="en-US" dirty="0"/>
               <a:t>object/class </a:t>
             </a:r>
             <a:r>
-              <a:rPr lang="th-TH" dirty="0" smtClean="0"/>
+              <a:rPr lang="th-TH" dirty="0"/>
               <a:t>ทั้งระบบ</a:t>
             </a:r>
-            <a:endParaRPr lang="th-TH" dirty="0"/>
           </a:p>
         </p:txBody>
       </p:sp>
@@ -9231,7 +9236,7 @@
               </a:lnSpc>
             </a:pPr>
             <a:r>
-              <a:rPr lang="th-TH" dirty="0" smtClean="0"/>
+              <a:rPr lang="th-TH" dirty="0"/>
               <a:t>นักเรียน</a:t>
             </a:r>
           </a:p>
@@ -9242,7 +9247,7 @@
               </a:lnSpc>
             </a:pPr>
             <a:r>
-              <a:rPr lang="th-TH" dirty="0" smtClean="0"/>
+              <a:rPr lang="th-TH" dirty="0"/>
               <a:t>อาจารย์</a:t>
             </a:r>
           </a:p>
@@ -9253,7 +9258,7 @@
               </a:lnSpc>
             </a:pPr>
             <a:r>
-              <a:rPr lang="th-TH" dirty="0" smtClean="0"/>
+              <a:rPr lang="th-TH" dirty="0"/>
               <a:t>เจ้าหน้าที่</a:t>
             </a:r>
           </a:p>
@@ -9264,7 +9269,7 @@
               </a:lnSpc>
             </a:pPr>
             <a:r>
-              <a:rPr lang="th-TH" dirty="0" smtClean="0"/>
+              <a:rPr lang="th-TH" dirty="0"/>
               <a:t>ห้องเรียน</a:t>
             </a:r>
           </a:p>
@@ -9275,7 +9280,7 @@
               </a:lnSpc>
             </a:pPr>
             <a:r>
-              <a:rPr lang="th-TH" dirty="0" smtClean="0"/>
+              <a:rPr lang="th-TH" dirty="0"/>
               <a:t>วิชาเรียน</a:t>
             </a:r>
           </a:p>
@@ -9286,7 +9291,7 @@
               </a:lnSpc>
             </a:pPr>
             <a:r>
-              <a:rPr lang="th-TH" dirty="0" smtClean="0"/>
+              <a:rPr lang="th-TH" dirty="0"/>
               <a:t>ชั่วโมงเรียน</a:t>
             </a:r>
           </a:p>
@@ -9297,7 +9302,7 @@
               </a:lnSpc>
             </a:pPr>
             <a:r>
-              <a:rPr lang="th-TH" dirty="0" smtClean="0"/>
+              <a:rPr lang="th-TH" dirty="0"/>
               <a:t>ห้องทดลอง</a:t>
             </a:r>
           </a:p>
@@ -9347,10 +9352,9 @@
           <a:lstStyle/>
           <a:p>
             <a:r>
-              <a:rPr lang="th-TH" dirty="0" smtClean="0"/>
+              <a:rPr lang="th-TH" dirty="0"/>
               <a:t>จุดประสงค์</a:t>
             </a:r>
-            <a:endParaRPr lang="th-TH" dirty="0"/>
           </a:p>
         </p:txBody>
       </p:sp>
@@ -9372,64 +9376,63 @@
           <a:lstStyle/>
           <a:p>
             <a:r>
-              <a:rPr lang="th-TH" dirty="0" smtClean="0"/>
+              <a:rPr lang="th-TH" dirty="0"/>
               <a:t>สามารถจำลองภาพของ </a:t>
             </a:r>
             <a:r>
-              <a:rPr lang="en-US" dirty="0" smtClean="0"/>
+              <a:rPr lang="en-US" dirty="0"/>
               <a:t>Class </a:t>
             </a:r>
             <a:r>
-              <a:rPr lang="th-TH" dirty="0" smtClean="0"/>
+              <a:rPr lang="th-TH" dirty="0"/>
               <a:t>ที่มีใน </a:t>
             </a:r>
             <a:r>
-              <a:rPr lang="en-US" dirty="0" smtClean="0"/>
+              <a:rPr lang="en-US" dirty="0"/>
               <a:t>Problem Domain </a:t>
             </a:r>
             <a:r>
-              <a:rPr lang="th-TH" dirty="0" smtClean="0"/>
+              <a:rPr lang="th-TH" dirty="0"/>
               <a:t>ในรูปของ </a:t>
             </a:r>
             <a:r>
-              <a:rPr lang="en-US" dirty="0" smtClean="0"/>
+              <a:rPr lang="en-US" dirty="0"/>
               <a:t>Class Diagram </a:t>
             </a:r>
             <a:r>
-              <a:rPr lang="th-TH" dirty="0" smtClean="0"/>
+              <a:rPr lang="th-TH" dirty="0"/>
               <a:t>ได้</a:t>
             </a:r>
           </a:p>
           <a:p>
             <a:r>
-              <a:rPr lang="th-TH" dirty="0" smtClean="0"/>
+              <a:rPr lang="th-TH" dirty="0"/>
               <a:t>สามารถแสดงความสัมพันธ์ หรือ </a:t>
             </a:r>
             <a:r>
-              <a:rPr lang="en-US" dirty="0" smtClean="0"/>
+              <a:rPr lang="en-US" dirty="0"/>
               <a:t>Abstraction </a:t>
             </a:r>
             <a:r>
-              <a:rPr lang="th-TH" dirty="0" smtClean="0"/>
+              <a:rPr lang="th-TH" dirty="0"/>
               <a:t>ระหว่าง </a:t>
             </a:r>
             <a:r>
-              <a:rPr lang="en-US" dirty="0" smtClean="0"/>
+              <a:rPr lang="en-US" dirty="0"/>
               <a:t>Class </a:t>
             </a:r>
             <a:r>
-              <a:rPr lang="th-TH" dirty="0" smtClean="0"/>
+              <a:rPr lang="th-TH" dirty="0"/>
               <a:t>ใน</a:t>
             </a:r>
             <a:r>
-              <a:rPr lang="en-US" dirty="0" smtClean="0"/>
+              <a:rPr lang="en-US" dirty="0"/>
               <a:t>Problem Domain </a:t>
             </a:r>
             <a:r>
-              <a:rPr lang="th-TH" dirty="0" smtClean="0"/>
+              <a:rPr lang="th-TH" dirty="0"/>
               <a:t>ได้</a:t>
             </a:r>
-            <a:endParaRPr lang="th-TH" dirty="0"/>
           </a:p>
         </p:txBody>
       </p:sp>
@@ -9474,18 +9477,17 @@
           <a:lstStyle/>
           <a:p>
             <a:r>
-              <a:rPr lang="en-US" dirty="0" err="1" smtClean="0"/>
+              <a:rPr lang="en-US" dirty="0" err="1"/>
               <a:t>เขียน</a:t>
             </a:r>
             <a:r>
-              <a:rPr lang="en-US" dirty="0" smtClean="0"/>
+              <a:rPr lang="en-US" dirty="0"/>
               <a:t> Class Diagram </a:t>
             </a:r>
             <a:r>
-              <a:rPr lang="th-TH" dirty="0" smtClean="0"/>
+              <a:rPr lang="th-TH" dirty="0"/>
               <a:t>เบื้องต้น</a:t>
             </a:r>
-            <a:endParaRPr lang="th-TH" dirty="0"/>
           </a:p>
         </p:txBody>
       </p:sp>
@@ -9499,7 +9501,7 @@
         </p:nvGrpSpPr>
         <p:grpSpPr bwMode="auto">
           <a:xfrm>
-            <a:off x="428625" y="1447800"/>
+            <a:off x="1952626" y="1447800"/>
             <a:ext cx="8258175" cy="4542692"/>
             <a:chOff x="288" y="1152"/>
             <a:chExt cx="4656" cy="2480"/>
@@ -11447,13 +11449,6 @@
   <p:clrMapOvr>
     <a:masterClrMapping/>
   </p:clrMapOvr>
-  <p:timing>
-    <p:tnLst>
-      <p:par>
-        <p:cTn id="1" dur="indefinite" restart="never" nodeType="tmRoot"/>
-      </p:par>
-    </p:tnLst>
-  </p:timing>
 </p:sld>
 </file>
 
@@ -11492,23 +11487,23 @@
           <a:lstStyle/>
           <a:p>
             <a:r>
-              <a:rPr lang="en-US" sz="4800" dirty="0" err="1" smtClean="0"/>
+              <a:rPr lang="en-US" sz="4800" dirty="0" err="1"/>
               <a:t>ปรับเปลี่ยน</a:t>
             </a:r>
             <a:r>
-              <a:rPr lang="en-US" sz="4800" dirty="0" smtClean="0"/>
+              <a:rPr lang="en-US" sz="4800" dirty="0"/>
               <a:t> Class Diagram </a:t>
             </a:r>
             <a:r>
-              <a:rPr lang="en-US" sz="4800" dirty="0" err="1" smtClean="0"/>
+              <a:rPr lang="en-US" sz="4800" dirty="0" err="1"/>
               <a:t>ให้สมบ</a:t>
             </a:r>
             <a:r>
-              <a:rPr lang="th-TH" sz="4800" dirty="0" smtClean="0"/>
+              <a:rPr lang="th-TH" sz="4800" dirty="0"/>
               <a:t>ู</a:t>
             </a:r>
             <a:r>
-              <a:rPr lang="en-US" sz="4800" dirty="0" err="1" smtClean="0"/>
+              <a:rPr lang="en-US" sz="4800" dirty="0" err="1"/>
               <a:t>รณ์ขึ้น</a:t>
             </a:r>
             <a:endParaRPr lang="th-TH" sz="4800" dirty="0"/>
@@ -11525,7 +11520,7 @@
         </p:nvGrpSpPr>
         <p:grpSpPr bwMode="auto">
           <a:xfrm>
-            <a:off x="428625" y="1447800"/>
+            <a:off x="1952626" y="1447801"/>
             <a:ext cx="8258175" cy="4593349"/>
             <a:chOff x="576" y="1248"/>
             <a:chExt cx="4656" cy="2797"/>
@@ -13537,13 +13532,6 @@
   <p:clrMapOvr>
     <a:masterClrMapping/>
   </p:clrMapOvr>
-  <p:timing>
-    <p:tnLst>
-      <p:par>
-        <p:cTn id="1" dur="indefinite" restart="never" nodeType="tmRoot"/>
-      </p:par>
-    </p:tnLst>
-  </p:timing>
 </p:sld>
 </file>
 
@@ -13577,27 +13565,26 @@
         <p:spPr/>
         <p:txBody>
           <a:bodyPr>
-            <a:normAutofit fontScale="90000"/>
+            <a:normAutofit/>
           </a:bodyPr>
           <a:lstStyle/>
           <a:p>
             <a:r>
-              <a:rPr lang="en-US" dirty="0" err="1" smtClean="0"/>
+              <a:rPr lang="en-US" dirty="0" err="1"/>
               <a:t>ปรับ</a:t>
             </a:r>
             <a:r>
-              <a:rPr lang="th-TH" dirty="0" smtClean="0"/>
+              <a:rPr lang="th-TH" dirty="0"/>
               <a:t>ปรุง</a:t>
             </a:r>
             <a:r>
-              <a:rPr lang="en-US" dirty="0" smtClean="0"/>
+              <a:rPr lang="en-US" dirty="0"/>
               <a:t> Class Diagram </a:t>
             </a:r>
             <a:r>
-              <a:rPr lang="th-TH" dirty="0" smtClean="0"/>
+              <a:rPr lang="th-TH" dirty="0"/>
               <a:t>ให้สมบูรณ์</a:t>
             </a:r>
-            <a:endParaRPr lang="th-TH" dirty="0"/>
           </a:p>
         </p:txBody>
       </p:sp>
@@ -13620,7 +13607,7 @@
         </p:blipFill>
         <p:spPr bwMode="auto">
           <a:xfrm>
-            <a:off x="1785918" y="1428736"/>
+            <a:off x="3309918" y="1428737"/>
             <a:ext cx="5291622" cy="5151069"/>
           </a:xfrm>
           <a:prstGeom prst="rect">
@@ -13677,10 +13664,9 @@
           <a:lstStyle/>
           <a:p>
             <a:r>
-              <a:rPr lang="th-TH" dirty="0" smtClean="0"/>
+              <a:rPr lang="th-TH" dirty="0"/>
               <a:t>จงทำให้สมบูรณ์</a:t>
             </a:r>
-            <a:endParaRPr lang="th-TH" dirty="0"/>
           </a:p>
         </p:txBody>
       </p:sp>
@@ -13707,7 +13693,7 @@
         </p:blipFill>
         <p:spPr bwMode="auto">
           <a:xfrm>
-            <a:off x="2019300" y="1412776"/>
+            <a:off x="3543300" y="1412777"/>
             <a:ext cx="5105400" cy="5076825"/>
           </a:xfrm>
           <a:prstGeom prst="rect">
@@ -13784,10 +13770,9 @@
           <a:lstStyle/>
           <a:p>
             <a:r>
-              <a:rPr lang="th-TH" dirty="0" smtClean="0"/>
+              <a:rPr lang="th-TH" dirty="0"/>
               <a:t>จงทำให้สมบูรณ์</a:t>
             </a:r>
-            <a:endParaRPr lang="th-TH" dirty="0"/>
           </a:p>
         </p:txBody>
       </p:sp>
@@ -13814,7 +13799,7 @@
         </p:blipFill>
         <p:spPr bwMode="auto">
           <a:xfrm>
-            <a:off x="539552" y="1700808"/>
+            <a:off x="2063553" y="1700808"/>
             <a:ext cx="7743825" cy="4343400"/>
           </a:xfrm>
           <a:prstGeom prst="rect">
@@ -13891,11 +13876,11 @@
           <a:lstStyle/>
           <a:p>
             <a:r>
-              <a:rPr lang="th-TH" dirty="0" smtClean="0"/>
+              <a:rPr lang="th-TH" dirty="0"/>
               <a:t>ตัวอย่าง </a:t>
             </a:r>
             <a:r>
-              <a:rPr lang="en-US" dirty="0" smtClean="0"/>
+              <a:rPr lang="en-US" dirty="0"/>
               <a:t>class diagram</a:t>
             </a:r>
             <a:endParaRPr lang="th-TH" dirty="0"/>
@@ -13967,10 +13952,9 @@
           <a:lstStyle/>
           <a:p>
             <a:r>
-              <a:rPr lang="th-TH" dirty="0" smtClean="0"/>
+              <a:rPr lang="th-TH" dirty="0"/>
               <a:t>“คำถาม...”</a:t>
             </a:r>
-            <a:endParaRPr lang="th-TH" dirty="0"/>
           </a:p>
         </p:txBody>
       </p:sp>
@@ -14034,14 +14018,13 @@
           <a:lstStyle/>
           <a:p>
             <a:r>
-              <a:rPr lang="en-US" dirty="0" smtClean="0"/>
+              <a:rPr lang="en-US" dirty="0"/>
               <a:t>Class Diagram </a:t>
             </a:r>
             <a:r>
-              <a:rPr lang="th-TH" dirty="0" smtClean="0"/>
+              <a:rPr lang="th-TH" dirty="0"/>
               <a:t>คืออะไร</a:t>
             </a:r>
-            <a:endParaRPr lang="th-TH" dirty="0"/>
           </a:p>
         </p:txBody>
       </p:sp>
@@ -14061,62 +14044,62 @@
           <a:lstStyle/>
           <a:p>
             <a:r>
-              <a:rPr lang="en-US" dirty="0" smtClean="0"/>
+              <a:rPr lang="en-US" dirty="0"/>
               <a:t>Class diagram </a:t>
             </a:r>
             <a:r>
-              <a:rPr lang="th-TH" dirty="0" smtClean="0"/>
+              <a:rPr lang="th-TH" dirty="0"/>
               <a:t>คือ แผนภาพที่ใช้แสดง </a:t>
             </a:r>
             <a:r>
-              <a:rPr lang="en-US" dirty="0" smtClean="0"/>
+              <a:rPr lang="en-US" dirty="0"/>
               <a:t>class </a:t>
             </a:r>
             <a:r>
-              <a:rPr lang="th-TH" dirty="0" smtClean="0"/>
+              <a:rPr lang="th-TH" dirty="0"/>
               <a:t>และความสัมพันธ์ (</a:t>
             </a:r>
             <a:r>
-              <a:rPr lang="en-US" dirty="0" smtClean="0"/>
+              <a:rPr lang="en-US" dirty="0"/>
               <a:t>relationship) </a:t>
             </a:r>
             <a:r>
-              <a:rPr lang="th-TH" dirty="0" smtClean="0"/>
+              <a:rPr lang="th-TH" dirty="0"/>
               <a:t>ระหว่าง </a:t>
             </a:r>
             <a:r>
-              <a:rPr lang="en-US" dirty="0" smtClean="0"/>
+              <a:rPr lang="en-US" dirty="0"/>
               <a:t>class</a:t>
             </a:r>
-            <a:endParaRPr lang="th-TH" dirty="0" smtClean="0"/>
-          </a:p>
-          <a:p>
-            <a:r>
-              <a:rPr lang="th-TH" dirty="0" smtClean="0"/>
+            <a:endParaRPr lang="th-TH" dirty="0"/>
+          </a:p>
+          <a:p>
+            <a:r>
+              <a:rPr lang="th-TH" dirty="0"/>
               <a:t>ความสัมพันธ์ที่แสดงเป็นความสัมพันธ์เชิง</a:t>
             </a:r>
             <a:r>
-              <a:rPr lang="th-TH" dirty="0" err="1" smtClean="0"/>
+              <a:rPr lang="th-TH" dirty="0" err="1"/>
               <a:t>สถิตย์</a:t>
             </a:r>
             <a:r>
-              <a:rPr lang="th-TH" dirty="0" smtClean="0"/>
+              <a:rPr lang="th-TH" dirty="0"/>
               <a:t> (</a:t>
             </a:r>
             <a:r>
-              <a:rPr lang="en-US" dirty="0" smtClean="0"/>
+              <a:rPr lang="en-US" dirty="0"/>
               <a:t>static</a:t>
             </a:r>
             <a:r>
-              <a:rPr lang="th-TH" dirty="0" smtClean="0"/>
+              <a:rPr lang="th-TH" dirty="0"/>
               <a:t>) ไม่ใช่ความสัมพันธ์ที่เกิดขึ้นเนื่องจากกิจกรรม (</a:t>
             </a:r>
             <a:r>
-              <a:rPr lang="en-US" dirty="0" smtClean="0"/>
+              <a:rPr lang="en-US" dirty="0"/>
               <a:t>dynamic</a:t>
             </a:r>
             <a:r>
-              <a:rPr lang="th-TH" dirty="0" smtClean="0"/>
+              <a:rPr lang="th-TH" dirty="0"/>
               <a:t>)</a:t>
             </a:r>
           </a:p>
@@ -14166,14 +14149,13 @@
           <a:lstStyle/>
           <a:p>
             <a:r>
-              <a:rPr lang="en-US" dirty="0" smtClean="0"/>
+              <a:rPr lang="en-US" dirty="0"/>
               <a:t>Relationship </a:t>
             </a:r>
             <a:r>
-              <a:rPr lang="th-TH" dirty="0" smtClean="0"/>
+              <a:rPr lang="th-TH" dirty="0"/>
               <a:t> คืออะไร</a:t>
             </a:r>
-            <a:endParaRPr lang="th-TH" dirty="0"/>
           </a:p>
         </p:txBody>
       </p:sp>
@@ -14190,7 +14172,7 @@
         <p:spPr/>
         <p:txBody>
           <a:bodyPr>
-            <a:normAutofit fontScale="85000" lnSpcReduction="20000"/>
+            <a:normAutofit fontScale="92500" lnSpcReduction="20000"/>
           </a:bodyPr>
           <a:lstStyle/>
           <a:p>
@@ -14198,33 +14180,33 @@
               <a:buNone/>
             </a:pPr>
             <a:r>
-              <a:rPr lang="en-US" dirty="0" smtClean="0"/>
+              <a:rPr lang="en-US" dirty="0"/>
               <a:t>Relationship</a:t>
             </a:r>
             <a:r>
-              <a:rPr lang="th-TH" dirty="0" smtClean="0"/>
+              <a:rPr lang="th-TH" dirty="0"/>
               <a:t> คือความสัมพันธ์ระหว่าง </a:t>
             </a:r>
             <a:r>
-              <a:rPr lang="en-US" dirty="0" smtClean="0"/>
+              <a:rPr lang="en-US" dirty="0"/>
               <a:t>Objects </a:t>
             </a:r>
             <a:r>
-              <a:rPr lang="th-TH" dirty="0" smtClean="0"/>
+              <a:rPr lang="th-TH" dirty="0"/>
               <a:t>ต่างๆ แบ่งได้ </a:t>
             </a:r>
             <a:r>
-              <a:rPr lang="en-US" dirty="0" smtClean="0"/>
+              <a:rPr lang="en-US" dirty="0"/>
               <a:t>2 </a:t>
             </a:r>
             <a:r>
-              <a:rPr lang="th-TH" dirty="0" smtClean="0"/>
+              <a:rPr lang="th-TH" dirty="0"/>
               <a:t>รูปแบบ</a:t>
             </a:r>
           </a:p>
           <a:p>
             <a:r>
-              <a:rPr lang="th-TH" dirty="0" err="1" smtClean="0">
+              <a:rPr lang="th-TH" dirty="0" err="1">
                 <a:solidFill>
                   <a:srgbClr val="CC0099"/>
                 </a:solidFill>
@@ -14232,7 +14214,7 @@
               <a:t>Static</a:t>
             </a:r>
             <a:r>
-              <a:rPr lang="th-TH" dirty="0" smtClean="0">
+              <a:rPr lang="th-TH" dirty="0">
                 <a:solidFill>
                   <a:srgbClr val="CC0099"/>
                 </a:solidFill>
@@ -14240,7 +14222,7 @@
               <a:t> </a:t>
             </a:r>
             <a:r>
-              <a:rPr lang="th-TH" dirty="0" err="1" smtClean="0">
+              <a:rPr lang="th-TH" dirty="0" err="1">
                 <a:solidFill>
                   <a:srgbClr val="CC0099"/>
                 </a:solidFill>
@@ -14248,7 +14230,7 @@
               <a:t>relationship</a:t>
             </a:r>
             <a:r>
-              <a:rPr lang="th-TH" dirty="0" smtClean="0">
+              <a:rPr lang="th-TH" dirty="0">
                 <a:solidFill>
                   <a:srgbClr val="CC0099"/>
                 </a:solidFill>
@@ -14256,7 +14238,7 @@
               <a:t> </a:t>
             </a:r>
             <a:r>
-              <a:rPr lang="th-TH" dirty="0" smtClean="0">
+              <a:rPr lang="th-TH" dirty="0">
                 <a:solidFill>
                   <a:srgbClr val="00B050"/>
                 </a:solidFill>
@@ -14267,7 +14249,7 @@
           <a:p>
             <a:pPr lvl="1"/>
             <a:r>
-              <a:rPr lang="th-TH" dirty="0" smtClean="0">
+              <a:rPr lang="th-TH" dirty="0">
                 <a:solidFill>
                   <a:srgbClr val="3333CC"/>
                 </a:solidFill>
@@ -14275,7 +14257,7 @@
               <a:t>เจ้าของบัญชี</a:t>
             </a:r>
             <a:r>
-              <a:rPr lang="th-TH" u="sng" dirty="0" smtClean="0">
+              <a:rPr lang="th-TH" u="sng" dirty="0">
                 <a:solidFill>
                   <a:srgbClr val="3333CC"/>
                 </a:solidFill>
@@ -14283,7 +14265,7 @@
               <a:t>เป็นเจ้าของ</a:t>
             </a:r>
             <a:r>
-              <a:rPr lang="th-TH" dirty="0" smtClean="0">
+              <a:rPr lang="th-TH" dirty="0">
                 <a:solidFill>
                   <a:srgbClr val="3333CC"/>
                 </a:solidFill>
@@ -14293,7 +14275,7 @@
           </a:p>
           <a:p>
             <a:r>
-              <a:rPr lang="th-TH" dirty="0" err="1" smtClean="0">
+              <a:rPr lang="th-TH" dirty="0" err="1">
                 <a:solidFill>
                   <a:srgbClr val="CC0099"/>
                 </a:solidFill>
@@ -14301,7 +14283,7 @@
               <a:t>Dynamic</a:t>
             </a:r>
             <a:r>
-              <a:rPr lang="th-TH" dirty="0" smtClean="0">
+              <a:rPr lang="th-TH" dirty="0">
                 <a:solidFill>
                   <a:srgbClr val="CC0099"/>
                 </a:solidFill>
@@ -14309,7 +14291,7 @@
               <a:t> </a:t>
             </a:r>
             <a:r>
-              <a:rPr lang="th-TH" dirty="0" err="1" smtClean="0">
+              <a:rPr lang="th-TH" dirty="0" err="1">
                 <a:solidFill>
                   <a:srgbClr val="CC0099"/>
                 </a:solidFill>
@@ -14317,7 +14299,7 @@
               <a:t>relationship</a:t>
             </a:r>
             <a:r>
-              <a:rPr lang="th-TH" dirty="0" smtClean="0">
+              <a:rPr lang="th-TH" dirty="0">
                 <a:solidFill>
                   <a:srgbClr val="CC0099"/>
                 </a:solidFill>
@@ -14325,7 +14307,7 @@
               <a:t> </a:t>
             </a:r>
             <a:r>
-              <a:rPr lang="th-TH" dirty="0" smtClean="0">
+              <a:rPr lang="th-TH" dirty="0">
                 <a:solidFill>
                   <a:srgbClr val="00B050"/>
                 </a:solidFill>
@@ -14336,7 +14318,7 @@
           <a:p>
             <a:pPr lvl="1"/>
             <a:r>
-              <a:rPr lang="th-TH" dirty="0" smtClean="0">
+              <a:rPr lang="th-TH" dirty="0">
                 <a:solidFill>
                   <a:srgbClr val="3333CC"/>
                 </a:solidFill>
@@ -14344,7 +14326,7 @@
               <a:t>เจ้าของบัญชี</a:t>
             </a:r>
             <a:r>
-              <a:rPr lang="th-TH" u="sng" dirty="0" smtClean="0">
+              <a:rPr lang="th-TH" u="sng" dirty="0">
                 <a:solidFill>
                   <a:srgbClr val="3333CC"/>
                 </a:solidFill>
@@ -14352,7 +14334,7 @@
               <a:t>ฝากเงินเข้า</a:t>
             </a:r>
             <a:r>
-              <a:rPr lang="th-TH" dirty="0" smtClean="0">
+              <a:rPr lang="th-TH" dirty="0">
                 <a:solidFill>
                   <a:srgbClr val="3333CC"/>
                 </a:solidFill>
@@ -14363,7 +14345,7 @@
           <a:p>
             <a:pPr lvl="1"/>
             <a:r>
-              <a:rPr lang="th-TH" dirty="0" smtClean="0">
+              <a:rPr lang="th-TH" dirty="0">
                 <a:solidFill>
                   <a:srgbClr val="3333CC"/>
                 </a:solidFill>
@@ -14371,7 +14353,7 @@
               <a:t>เจ้าของบัญชี</a:t>
             </a:r>
             <a:r>
-              <a:rPr lang="th-TH" u="sng" dirty="0" smtClean="0">
+              <a:rPr lang="th-TH" u="sng" dirty="0">
                 <a:solidFill>
                   <a:srgbClr val="3333CC"/>
                 </a:solidFill>
@@ -14379,7 +14361,7 @@
               <a:t>ถอนเงินจาก</a:t>
             </a:r>
             <a:r>
-              <a:rPr lang="th-TH" dirty="0" smtClean="0">
+              <a:rPr lang="th-TH" dirty="0">
                 <a:solidFill>
                   <a:srgbClr val="3333CC"/>
                 </a:solidFill>
@@ -14390,7 +14372,7 @@
           <a:p>
             <a:pPr lvl="1"/>
             <a:r>
-              <a:rPr lang="th-TH" dirty="0" smtClean="0">
+              <a:rPr lang="th-TH" dirty="0">
                 <a:solidFill>
                   <a:srgbClr val="3333CC"/>
                 </a:solidFill>
@@ -14398,7 +14380,7 @@
               <a:t>เจ้าของบัญชี</a:t>
             </a:r>
             <a:r>
-              <a:rPr lang="th-TH" u="sng" dirty="0" smtClean="0">
+              <a:rPr lang="th-TH" u="sng" dirty="0">
                 <a:solidFill>
                   <a:srgbClr val="3333CC"/>
                 </a:solidFill>
@@ -14406,7 +14388,7 @@
               <a:t>ปรับปรุงยอด</a:t>
             </a:r>
             <a:r>
-              <a:rPr lang="th-TH" dirty="0" smtClean="0">
+              <a:rPr lang="th-TH" dirty="0">
                 <a:solidFill>
                   <a:srgbClr val="3333CC"/>
                 </a:solidFill>
@@ -14460,11 +14442,11 @@
           <a:lstStyle/>
           <a:p>
             <a:r>
-              <a:rPr lang="th-TH" dirty="0" smtClean="0"/>
+              <a:rPr lang="th-TH" dirty="0"/>
               <a:t>สัญลักษณ์ </a:t>
             </a:r>
             <a:r>
-              <a:rPr lang="en-US" dirty="0" smtClean="0"/>
+              <a:rPr lang="en-US" dirty="0"/>
               <a:t>Class</a:t>
             </a:r>
             <a:endParaRPr lang="th-TH" dirty="0"/>
@@ -14500,7 +14482,7 @@
         </p:nvGrpSpPr>
         <p:grpSpPr bwMode="auto">
           <a:xfrm>
-            <a:off x="3505200" y="2362200"/>
+            <a:off x="5029200" y="2362200"/>
             <a:ext cx="1981200" cy="2743200"/>
             <a:chOff x="2208" y="1584"/>
             <a:chExt cx="1248" cy="1728"/>
@@ -14766,26 +14748,25 @@
           <a:lstStyle/>
           <a:p>
             <a:r>
-              <a:rPr lang="th-TH" sz="3600" dirty="0" smtClean="0"/>
+              <a:rPr lang="th-TH" sz="3600" dirty="0"/>
               <a:t>สัญลักษณ์ที่ใช้แทน </a:t>
             </a:r>
             <a:r>
-              <a:rPr lang="en-US" sz="3600" dirty="0" smtClean="0"/>
+              <a:rPr lang="en-US" sz="3600" dirty="0"/>
               <a:t>Class </a:t>
             </a:r>
             <a:r>
-              <a:rPr lang="th-TH" sz="3600" dirty="0" smtClean="0"/>
+              <a:rPr lang="th-TH" sz="3600" dirty="0"/>
               <a:t>และ </a:t>
             </a:r>
             <a:r>
-              <a:rPr lang="en-US" sz="3600" dirty="0" smtClean="0"/>
+              <a:rPr lang="en-US" sz="3600" dirty="0"/>
               <a:t>Relationship </a:t>
             </a:r>
             <a:r>
-              <a:rPr lang="th-TH" sz="3600" dirty="0" smtClean="0"/>
+              <a:rPr lang="th-TH" sz="3600" dirty="0"/>
               <a:t>แบบต่างๆ</a:t>
             </a:r>
-            <a:endParaRPr lang="th-TH" sz="3600" dirty="0"/>
           </a:p>
         </p:txBody>
       </p:sp>
@@ -14808,7 +14789,7 @@
         </p:blipFill>
         <p:spPr bwMode="auto">
           <a:xfrm>
-            <a:off x="2276230" y="1447800"/>
+            <a:off x="3800230" y="1447800"/>
             <a:ext cx="4562964" cy="4572000"/>
           </a:xfrm>
           <a:prstGeom prst="rect">
@@ -14865,15 +14846,15 @@
           <a:lstStyle/>
           <a:p>
             <a:r>
-              <a:rPr lang="en-US" dirty="0" smtClean="0"/>
+              <a:rPr lang="en-US" dirty="0"/>
               <a:t>Visibility </a:t>
             </a:r>
             <a:r>
-              <a:rPr lang="th-TH" dirty="0" smtClean="0"/>
+              <a:rPr lang="th-TH" dirty="0"/>
               <a:t>ของ </a:t>
             </a:r>
             <a:r>
-              <a:rPr lang="en-US" dirty="0" smtClean="0"/>
+              <a:rPr lang="en-US" dirty="0"/>
               <a:t>Classes</a:t>
             </a:r>
             <a:endParaRPr lang="th-TH" dirty="0"/>
@@ -14896,11 +14877,11 @@
           <a:lstStyle/>
           <a:p>
             <a:r>
-              <a:rPr lang="th-TH" dirty="0" smtClean="0"/>
+              <a:rPr lang="th-TH" dirty="0"/>
               <a:t>กำหนดระดับความเป็นส่วนตัวของ </a:t>
             </a:r>
             <a:r>
-              <a:rPr lang="en-US" dirty="0" smtClean="0">
+              <a:rPr lang="en-US" dirty="0">
                 <a:solidFill>
                   <a:srgbClr val="C00000"/>
                 </a:solidFill>
@@ -14908,22 +14889,22 @@
               <a:t>members</a:t>
             </a:r>
             <a:r>
-              <a:rPr lang="en-US" dirty="0" smtClean="0"/>
+              <a:rPr lang="en-US" dirty="0"/>
               <a:t> </a:t>
             </a:r>
             <a:r>
-              <a:rPr lang="th-TH" dirty="0" smtClean="0"/>
+              <a:rPr lang="th-TH" dirty="0"/>
               <a:t>ของ </a:t>
             </a:r>
             <a:r>
-              <a:rPr lang="en-US" dirty="0" smtClean="0"/>
+              <a:rPr lang="en-US" dirty="0"/>
               <a:t>classes</a:t>
             </a:r>
           </a:p>
           <a:p>
             <a:pPr lvl="1"/>
             <a:r>
-              <a:rPr lang="en-US" dirty="0" smtClean="0">
+              <a:rPr lang="en-US" dirty="0">
                 <a:solidFill>
                   <a:srgbClr val="C00000"/>
                 </a:solidFill>
@@ -14931,7 +14912,7 @@
               <a:t>member function </a:t>
             </a:r>
             <a:r>
-              <a:rPr lang="th-TH" dirty="0" smtClean="0">
+              <a:rPr lang="th-TH" dirty="0">
                 <a:solidFill>
                   <a:srgbClr val="C00000"/>
                 </a:solidFill>
@@ -14939,7 +14920,7 @@
               <a:t>หรือ </a:t>
             </a:r>
             <a:r>
-              <a:rPr lang="en-US" dirty="0" smtClean="0">
+              <a:rPr lang="en-US" dirty="0">
                 <a:solidFill>
                   <a:srgbClr val="C00000"/>
                 </a:solidFill>
@@ -14950,7 +14931,7 @@
           <a:p>
             <a:pPr lvl="1"/>
             <a:r>
-              <a:rPr lang="en-US" dirty="0" smtClean="0">
+              <a:rPr lang="en-US" dirty="0">
                 <a:solidFill>
                   <a:srgbClr val="C00000"/>
                 </a:solidFill>
@@ -14958,7 +14939,7 @@
               <a:t>member variable </a:t>
             </a:r>
             <a:r>
-              <a:rPr lang="th-TH" dirty="0" smtClean="0">
+              <a:rPr lang="th-TH" dirty="0">
                 <a:solidFill>
                   <a:srgbClr val="C00000"/>
                 </a:solidFill>
@@ -14966,14 +14947,14 @@
               <a:t>หรือ </a:t>
             </a:r>
             <a:r>
-              <a:rPr lang="en-US" dirty="0" smtClean="0">
+              <a:rPr lang="en-US" dirty="0">
                 <a:solidFill>
                   <a:srgbClr val="C00000"/>
                 </a:solidFill>
               </a:rPr>
               <a:t>attributes</a:t>
             </a:r>
-            <a:endParaRPr lang="th-TH" dirty="0" smtClean="0">
+            <a:endParaRPr lang="th-TH" dirty="0">
               <a:solidFill>
                 <a:srgbClr val="C00000"/>
               </a:solidFill>
@@ -14981,7 +14962,7 @@
           </a:p>
           <a:p>
             <a:r>
-              <a:rPr lang="th-TH" dirty="0" smtClean="0"/>
+              <a:rPr lang="th-TH" dirty="0"/>
               <a:t>ใช้ควบคุมการมองเห็นหรือเรียกใช้ได้โดยตรงจากภายนอก</a:t>
             </a:r>
           </a:p>
@@ -15031,11 +15012,11 @@
           <a:lstStyle/>
           <a:p>
             <a:r>
-              <a:rPr lang="th-TH" dirty="0" smtClean="0"/>
+              <a:rPr lang="th-TH" dirty="0"/>
               <a:t>สัญลักษณ์ </a:t>
             </a:r>
             <a:r>
-              <a:rPr lang="en-US" dirty="0" smtClean="0"/>
+              <a:rPr lang="en-US" dirty="0"/>
               <a:t>Visibility</a:t>
             </a:r>
             <a:endParaRPr lang="th-TH" dirty="0"/>
@@ -15058,46 +15039,46 @@
           <a:lstStyle/>
           <a:p>
             <a:r>
-              <a:rPr lang="en-US" dirty="0" smtClean="0"/>
+              <a:rPr lang="en-US" dirty="0"/>
               <a:t>Private </a:t>
             </a:r>
             <a:r>
-              <a:rPr lang="th-TH" dirty="0" smtClean="0"/>
+              <a:rPr lang="th-TH" dirty="0"/>
               <a:t>แทนด้วย </a:t>
             </a:r>
             <a:r>
-              <a:rPr lang="en-US" dirty="0" smtClean="0"/>
+              <a:rPr lang="en-US" dirty="0"/>
               <a:t>-</a:t>
             </a:r>
           </a:p>
           <a:p>
             <a:r>
-              <a:rPr lang="en-US" dirty="0" smtClean="0"/>
+              <a:rPr lang="en-US" dirty="0"/>
               <a:t>Protected </a:t>
             </a:r>
             <a:r>
-              <a:rPr lang="th-TH" dirty="0" smtClean="0"/>
+              <a:rPr lang="th-TH" dirty="0"/>
               <a:t>แทนด้วย </a:t>
             </a:r>
             <a:r>
-              <a:rPr lang="en-US" dirty="0" smtClean="0"/>
+              <a:rPr lang="en-US" dirty="0"/>
               <a:t>#</a:t>
             </a:r>
           </a:p>
           <a:p>
             <a:r>
-              <a:rPr lang="en-US" dirty="0" smtClean="0"/>
+              <a:rPr lang="en-US" dirty="0"/>
               <a:t>Public </a:t>
             </a:r>
             <a:r>
-              <a:rPr lang="th-TH" dirty="0" smtClean="0"/>
+              <a:rPr lang="th-TH" dirty="0"/>
               <a:t>แทนด้วย </a:t>
             </a:r>
             <a:r>
-              <a:rPr lang="en-US" dirty="0" smtClean="0"/>
+              <a:rPr lang="en-US" dirty="0"/>
               <a:t>+</a:t>
             </a:r>
-            <a:endParaRPr lang="th-TH" dirty="0" smtClean="0"/>
+            <a:endParaRPr lang="th-TH" dirty="0"/>
           </a:p>
           <a:p>
             <a:endParaRPr lang="th-TH" dirty="0"/>

--- a/Slides/W09 Class Diagram.pptx
+++ b/Slides/W09 Class Diagram.pptx
@@ -4418,6 +4418,16 @@
           <a:bodyPr/>
           <a:lstStyle/>
           <a:p>
+            <a:r>
+              <a:rPr lang="en-US" dirty="0"/>
+              <a:t>03376808 OOAD</a:t>
+            </a:r>
+          </a:p>
+          <a:p>
+            <a:r>
+              <a:rPr lang="en-US" dirty="0"/>
+              <a:t>31/03/2020</a:t>
+            </a:r>
             <a:endParaRPr lang="th-TH" dirty="0"/>
           </a:p>
         </p:txBody>
